--- a/documentation/Session 3.pptx
+++ b/documentation/Session 3.pptx
@@ -9960,84 +9960,32 @@
               </a:buClr>
               <a:buNone/>
             </a:pPr>
+            <a:endParaRPr lang="en-US" sz="2200" dirty="0">
+              <a:solidFill>
+                <a:schemeClr val="bg1"/>
+              </a:solidFill>
+            </a:endParaRPr>
+          </a:p>
+          <a:p>
+            <a:pPr marL="114300" indent="0">
+              <a:buClr>
+                <a:schemeClr val="bg1"/>
+              </a:buClr>
+              <a:buNone/>
+            </a:pPr>
             <a:r>
               <a:rPr lang="en-US" sz="2200" dirty="0">
                 <a:solidFill>
                   <a:schemeClr val="bg1"/>
                 </a:solidFill>
               </a:rPr>
-              <a:t>Technology</a:t>
-            </a:r>
-          </a:p>
-          <a:p>
-            <a:pPr>
-              <a:buClr>
-                <a:schemeClr val="bg1"/>
-              </a:buClr>
-            </a:pPr>
-            <a:r>
-              <a:rPr lang="en-US" sz="2000" dirty="0" err="1">
-                <a:solidFill>
-                  <a:schemeClr val="bg1"/>
-                </a:solidFill>
-              </a:rPr>
-              <a:t>FastAPI</a:t>
+              <a:t>Introduction by Nino</a:t>
             </a:r>
             <a:endParaRPr lang="en-US" sz="2000" dirty="0">
               <a:solidFill>
                 <a:schemeClr val="bg1"/>
               </a:solidFill>
             </a:endParaRPr>
-          </a:p>
-          <a:p>
-            <a:pPr>
-              <a:buClr>
-                <a:schemeClr val="bg1"/>
-              </a:buClr>
-            </a:pPr>
-            <a:r>
-              <a:rPr lang="en-US" sz="2000" dirty="0">
-                <a:solidFill>
-                  <a:schemeClr val="bg1"/>
-                </a:solidFill>
-              </a:rPr>
-              <a:t>Frontend: …</a:t>
-            </a:r>
-          </a:p>
-          <a:p>
-            <a:endParaRPr lang="en-US" sz="1000" dirty="0">
-              <a:solidFill>
-                <a:schemeClr val="bg1"/>
-              </a:solidFill>
-            </a:endParaRPr>
-          </a:p>
-          <a:p>
-            <a:pPr marL="114300" indent="0">
-              <a:buNone/>
-            </a:pPr>
-            <a:r>
-              <a:rPr lang="en-US" sz="2200" dirty="0">
-                <a:solidFill>
-                  <a:schemeClr val="bg1"/>
-                </a:solidFill>
-              </a:rPr>
-              <a:t>Location:</a:t>
-            </a:r>
-          </a:p>
-          <a:p>
-            <a:pPr>
-              <a:buClr>
-                <a:schemeClr val="bg1"/>
-              </a:buClr>
-            </a:pPr>
-            <a:r>
-              <a:rPr lang="en-US" sz="2000" dirty="0">
-                <a:solidFill>
-                  <a:schemeClr val="bg1"/>
-                </a:solidFill>
-              </a:rPr>
-              <a:t>https://github.com/Aeternalis-Ingenium/GottaGuessEmAll</a:t>
-            </a:r>
           </a:p>
           <a:p>
             <a:pPr marL="114300" indent="0">
@@ -10193,39 +10141,26 @@
                                   </p:childTnLst>
                                 </p:cTn>
                               </p:par>
+                            </p:childTnLst>
+                          </p:cTn>
+                        </p:par>
+                      </p:childTnLst>
+                    </p:cTn>
+                  </p:par>
+                  <p:par>
+                    <p:cTn id="11" fill="hold">
+                      <p:stCondLst>
+                        <p:cond delay="indefinite"/>
+                      </p:stCondLst>
+                      <p:childTnLst>
+                        <p:par>
+                          <p:cTn id="12" fill="hold">
+                            <p:stCondLst>
+                              <p:cond delay="0"/>
+                            </p:stCondLst>
+                            <p:childTnLst>
                               <p:par>
-                                <p:cTn id="11" presetID="1" presetClass="entr" presetSubtype="0" fill="hold" nodeType="withEffect">
-                                  <p:stCondLst>
-                                    <p:cond delay="0"/>
-                                  </p:stCondLst>
-                                  <p:childTnLst>
-                                    <p:set>
-                                      <p:cBhvr>
-                                        <p:cTn id="12" dur="1" fill="hold">
-                                          <p:stCondLst>
-                                            <p:cond delay="0"/>
-                                          </p:stCondLst>
-                                        </p:cTn>
-                                        <p:tgtEl>
-                                          <p:spTgt spid="4">
-                                            <p:txEl>
-                                              <p:pRg st="4" end="4"/>
-                                            </p:txEl>
-                                          </p:spTgt>
-                                        </p:tgtEl>
-                                        <p:attrNameLst>
-                                          <p:attrName>style.visibility</p:attrName>
-                                        </p:attrNameLst>
-                                      </p:cBhvr>
-                                      <p:to>
-                                        <p:strVal val="visible"/>
-                                      </p:to>
-                                    </p:set>
-                                  </p:childTnLst>
-                                </p:cTn>
-                              </p:par>
-                              <p:par>
-                                <p:cTn id="13" presetID="1" presetClass="entr" presetSubtype="0" fill="hold" nodeType="withEffect">
+                                <p:cTn id="13" presetID="1" presetClass="entr" presetSubtype="0" fill="hold" nodeType="clickEffect">
                                   <p:stCondLst>
                                     <p:cond delay="0"/>
                                   </p:stCondLst>
@@ -10255,37 +10190,6 @@
                                   </p:childTnLst>
                                 </p:cTn>
                               </p:par>
-                              <p:par>
-                                <p:cTn id="15" presetID="1" presetClass="entr" presetSubtype="0" fill="hold" nodeType="withEffect">
-                                  <p:stCondLst>
-                                    <p:cond delay="0"/>
-                                  </p:stCondLst>
-                                  <p:childTnLst>
-                                    <p:set>
-                                      <p:cBhvr>
-                                        <p:cTn id="16" dur="1" fill="hold">
-                                          <p:stCondLst>
-                                            <p:cond delay="0"/>
-                                          </p:stCondLst>
-                                        </p:cTn>
-                                        <p:tgtEl>
-                                          <p:spTgt spid="4">
-                                            <p:txEl>
-                                              <p:pRg st="6" end="6"/>
-                                            </p:txEl>
-                                          </p:spTgt>
-                                        </p:tgtEl>
-                                        <p:attrNameLst>
-                                          <p:attrName>style.visibility</p:attrName>
-                                        </p:attrNameLst>
-                                      </p:cBhvr>
-                                      <p:to>
-                                        <p:strVal val="visible"/>
-                                      </p:to>
-                                    </p:set>
-                                  </p:childTnLst>
-                                </p:cTn>
-                              </p:par>
                             </p:childTnLst>
                           </p:cTn>
                         </p:par>
@@ -10293,124 +10197,26 @@
                     </p:cTn>
                   </p:par>
                   <p:par>
-                    <p:cTn id="17" fill="hold">
+                    <p:cTn id="15" fill="hold">
                       <p:stCondLst>
                         <p:cond delay="indefinite"/>
                       </p:stCondLst>
                       <p:childTnLst>
                         <p:par>
-                          <p:cTn id="18" fill="hold">
+                          <p:cTn id="16" fill="hold">
                             <p:stCondLst>
                               <p:cond delay="0"/>
                             </p:stCondLst>
                             <p:childTnLst>
                               <p:par>
-                                <p:cTn id="19" presetID="1" presetClass="entr" presetSubtype="0" fill="hold" nodeType="clickEffect">
+                                <p:cTn id="17" presetID="1" presetClass="exit" presetSubtype="0" fill="hold" nodeType="clickEffect">
                                   <p:stCondLst>
                                     <p:cond delay="0"/>
                                   </p:stCondLst>
                                   <p:childTnLst>
                                     <p:set>
                                       <p:cBhvr>
-                                        <p:cTn id="20" dur="1" fill="hold">
-                                          <p:stCondLst>
-                                            <p:cond delay="0"/>
-                                          </p:stCondLst>
-                                        </p:cTn>
-                                        <p:tgtEl>
-                                          <p:spTgt spid="4">
-                                            <p:txEl>
-                                              <p:pRg st="8" end="8"/>
-                                            </p:txEl>
-                                          </p:spTgt>
-                                        </p:tgtEl>
-                                        <p:attrNameLst>
-                                          <p:attrName>style.visibility</p:attrName>
-                                        </p:attrNameLst>
-                                      </p:cBhvr>
-                                      <p:to>
-                                        <p:strVal val="visible"/>
-                                      </p:to>
-                                    </p:set>
-                                  </p:childTnLst>
-                                </p:cTn>
-                              </p:par>
-                            </p:childTnLst>
-                          </p:cTn>
-                        </p:par>
-                      </p:childTnLst>
-                    </p:cTn>
-                  </p:par>
-                  <p:par>
-                    <p:cTn id="21" fill="hold">
-                      <p:stCondLst>
-                        <p:cond delay="indefinite"/>
-                      </p:stCondLst>
-                      <p:childTnLst>
-                        <p:par>
-                          <p:cTn id="22" fill="hold">
-                            <p:stCondLst>
-                              <p:cond delay="0"/>
-                            </p:stCondLst>
-                            <p:childTnLst>
-                              <p:par>
-                                <p:cTn id="23" presetID="1" presetClass="entr" presetSubtype="0" fill="hold" nodeType="clickEffect">
-                                  <p:stCondLst>
-                                    <p:cond delay="0"/>
-                                  </p:stCondLst>
-                                  <p:childTnLst>
-                                    <p:set>
-                                      <p:cBhvr>
-                                        <p:cTn id="24" dur="1" fill="hold">
-                                          <p:stCondLst>
-                                            <p:cond delay="0"/>
-                                          </p:stCondLst>
-                                        </p:cTn>
-                                        <p:tgtEl>
-                                          <p:spTgt spid="4">
-                                            <p:txEl>
-                                              <p:pRg st="9" end="9"/>
-                                            </p:txEl>
-                                          </p:spTgt>
-                                        </p:tgtEl>
-                                        <p:attrNameLst>
-                                          <p:attrName>style.visibility</p:attrName>
-                                        </p:attrNameLst>
-                                      </p:cBhvr>
-                                      <p:to>
-                                        <p:strVal val="visible"/>
-                                      </p:to>
-                                    </p:set>
-                                  </p:childTnLst>
-                                </p:cTn>
-                              </p:par>
-                            </p:childTnLst>
-                          </p:cTn>
-                        </p:par>
-                      </p:childTnLst>
-                    </p:cTn>
-                  </p:par>
-                  <p:par>
-                    <p:cTn id="25" fill="hold">
-                      <p:stCondLst>
-                        <p:cond delay="indefinite"/>
-                      </p:stCondLst>
-                      <p:childTnLst>
-                        <p:par>
-                          <p:cTn id="26" fill="hold">
-                            <p:stCondLst>
-                              <p:cond delay="0"/>
-                            </p:stCondLst>
-                            <p:childTnLst>
-                              <p:par>
-                                <p:cTn id="27" presetID="1" presetClass="exit" presetSubtype="0" fill="hold" nodeType="clickEffect">
-                                  <p:stCondLst>
-                                    <p:cond delay="0"/>
-                                  </p:stCondLst>
-                                  <p:childTnLst>
-                                    <p:set>
-                                      <p:cBhvr>
-                                        <p:cTn id="28" dur="1" fill="hold">
+                                        <p:cTn id="18" dur="1" fill="hold">
                                           <p:stCondLst>
                                             <p:cond delay="0"/>
                                           </p:stCondLst>
@@ -10434,14 +10240,14 @@
                                 </p:cTn>
                               </p:par>
                               <p:par>
-                                <p:cTn id="29" presetID="1" presetClass="exit" presetSubtype="0" fill="hold" nodeType="withEffect">
+                                <p:cTn id="19" presetID="1" presetClass="exit" presetSubtype="0" fill="hold" nodeType="withEffect">
                                   <p:stCondLst>
                                     <p:cond delay="0"/>
                                   </p:stCondLst>
                                   <p:childTnLst>
                                     <p:set>
                                       <p:cBhvr>
-                                        <p:cTn id="30" dur="1" fill="hold">
+                                        <p:cTn id="20" dur="1" fill="hold">
                                           <p:stCondLst>
                                             <p:cond delay="0"/>
                                           </p:stCondLst>
@@ -10465,14 +10271,14 @@
                                 </p:cTn>
                               </p:par>
                               <p:par>
-                                <p:cTn id="31" presetID="1" presetClass="exit" presetSubtype="0" fill="hold" nodeType="withEffect">
+                                <p:cTn id="21" presetID="1" presetClass="exit" presetSubtype="0" fill="hold" nodeType="withEffect">
                                   <p:stCondLst>
                                     <p:cond delay="0"/>
                                   </p:stCondLst>
                                   <p:childTnLst>
                                     <p:set>
                                       <p:cBhvr>
-                                        <p:cTn id="32" dur="1" fill="hold">
+                                        <p:cTn id="22" dur="1" fill="hold">
                                           <p:stCondLst>
                                             <p:cond delay="0"/>
                                           </p:stCondLst>
@@ -10496,45 +10302,14 @@
                                 </p:cTn>
                               </p:par>
                               <p:par>
-                                <p:cTn id="33" presetID="1" presetClass="exit" presetSubtype="0" fill="hold" nodeType="withEffect">
+                                <p:cTn id="23" presetID="1" presetClass="exit" presetSubtype="0" fill="hold" nodeType="withEffect">
                                   <p:stCondLst>
                                     <p:cond delay="0"/>
                                   </p:stCondLst>
                                   <p:childTnLst>
                                     <p:set>
                                       <p:cBhvr>
-                                        <p:cTn id="34" dur="1" fill="hold">
-                                          <p:stCondLst>
-                                            <p:cond delay="0"/>
-                                          </p:stCondLst>
-                                        </p:cTn>
-                                        <p:tgtEl>
-                                          <p:spTgt spid="4">
-                                            <p:txEl>
-                                              <p:pRg st="4" end="4"/>
-                                            </p:txEl>
-                                          </p:spTgt>
-                                        </p:tgtEl>
-                                        <p:attrNameLst>
-                                          <p:attrName>style.visibility</p:attrName>
-                                        </p:attrNameLst>
-                                      </p:cBhvr>
-                                      <p:to>
-                                        <p:strVal val="hidden"/>
-                                      </p:to>
-                                    </p:set>
-                                  </p:childTnLst>
-                                </p:cTn>
-                              </p:par>
-                              <p:par>
-                                <p:cTn id="35" presetID="1" presetClass="exit" presetSubtype="0" fill="hold" nodeType="withEffect">
-                                  <p:stCondLst>
-                                    <p:cond delay="0"/>
-                                  </p:stCondLst>
-                                  <p:childTnLst>
-                                    <p:set>
-                                      <p:cBhvr>
-                                        <p:cTn id="36" dur="1" fill="hold">
+                                        <p:cTn id="24" dur="1" fill="hold">
                                           <p:stCondLst>
                                             <p:cond delay="0"/>
                                           </p:stCondLst>
@@ -10558,107 +10333,14 @@
                                 </p:cTn>
                               </p:par>
                               <p:par>
-                                <p:cTn id="37" presetID="1" presetClass="exit" presetSubtype="0" fill="hold" nodeType="withEffect">
+                                <p:cTn id="25" presetID="1" presetClass="exit" presetSubtype="0" fill="hold" grpId="0" nodeType="withEffect">
                                   <p:stCondLst>
                                     <p:cond delay="0"/>
                                   </p:stCondLst>
                                   <p:childTnLst>
                                     <p:set>
                                       <p:cBhvr>
-                                        <p:cTn id="38" dur="1" fill="hold">
-                                          <p:stCondLst>
-                                            <p:cond delay="0"/>
-                                          </p:stCondLst>
-                                        </p:cTn>
-                                        <p:tgtEl>
-                                          <p:spTgt spid="4">
-                                            <p:txEl>
-                                              <p:pRg st="6" end="6"/>
-                                            </p:txEl>
-                                          </p:spTgt>
-                                        </p:tgtEl>
-                                        <p:attrNameLst>
-                                          <p:attrName>style.visibility</p:attrName>
-                                        </p:attrNameLst>
-                                      </p:cBhvr>
-                                      <p:to>
-                                        <p:strVal val="hidden"/>
-                                      </p:to>
-                                    </p:set>
-                                  </p:childTnLst>
-                                </p:cTn>
-                              </p:par>
-                              <p:par>
-                                <p:cTn id="39" presetID="1" presetClass="exit" presetSubtype="0" fill="hold" nodeType="withEffect">
-                                  <p:stCondLst>
-                                    <p:cond delay="0"/>
-                                  </p:stCondLst>
-                                  <p:childTnLst>
-                                    <p:set>
-                                      <p:cBhvr>
-                                        <p:cTn id="40" dur="1" fill="hold">
-                                          <p:stCondLst>
-                                            <p:cond delay="0"/>
-                                          </p:stCondLst>
-                                        </p:cTn>
-                                        <p:tgtEl>
-                                          <p:spTgt spid="4">
-                                            <p:txEl>
-                                              <p:pRg st="8" end="8"/>
-                                            </p:txEl>
-                                          </p:spTgt>
-                                        </p:tgtEl>
-                                        <p:attrNameLst>
-                                          <p:attrName>style.visibility</p:attrName>
-                                        </p:attrNameLst>
-                                      </p:cBhvr>
-                                      <p:to>
-                                        <p:strVal val="hidden"/>
-                                      </p:to>
-                                    </p:set>
-                                  </p:childTnLst>
-                                </p:cTn>
-                              </p:par>
-                              <p:par>
-                                <p:cTn id="41" presetID="1" presetClass="exit" presetSubtype="0" fill="hold" nodeType="withEffect">
-                                  <p:stCondLst>
-                                    <p:cond delay="0"/>
-                                  </p:stCondLst>
-                                  <p:childTnLst>
-                                    <p:set>
-                                      <p:cBhvr>
-                                        <p:cTn id="42" dur="1" fill="hold">
-                                          <p:stCondLst>
-                                            <p:cond delay="0"/>
-                                          </p:stCondLst>
-                                        </p:cTn>
-                                        <p:tgtEl>
-                                          <p:spTgt spid="4">
-                                            <p:txEl>
-                                              <p:pRg st="9" end="9"/>
-                                            </p:txEl>
-                                          </p:spTgt>
-                                        </p:tgtEl>
-                                        <p:attrNameLst>
-                                          <p:attrName>style.visibility</p:attrName>
-                                        </p:attrNameLst>
-                                      </p:cBhvr>
-                                      <p:to>
-                                        <p:strVal val="hidden"/>
-                                      </p:to>
-                                    </p:set>
-                                  </p:childTnLst>
-                                </p:cTn>
-                              </p:par>
-                              <p:par>
-                                <p:cTn id="43" presetID="1" presetClass="exit" presetSubtype="0" fill="hold" grpId="0" nodeType="withEffect">
-                                  <p:stCondLst>
-                                    <p:cond delay="0"/>
-                                  </p:stCondLst>
-                                  <p:childTnLst>
-                                    <p:set>
-                                      <p:cBhvr>
-                                        <p:cTn id="44" dur="1" fill="hold">
+                                        <p:cTn id="26" dur="1" fill="hold">
                                           <p:stCondLst>
                                             <p:cond delay="0"/>
                                           </p:stCondLst>
@@ -10678,14 +10360,14 @@
                                 </p:cTn>
                               </p:par>
                               <p:par>
-                                <p:cTn id="45" presetID="42" presetClass="path" presetSubtype="0" accel="50000" decel="50000" fill="hold" nodeType="withEffect">
+                                <p:cTn id="27" presetID="42" presetClass="path" presetSubtype="0" accel="50000" decel="50000" fill="hold" nodeType="withEffect">
                                   <p:stCondLst>
                                     <p:cond delay="0"/>
                                   </p:stCondLst>
                                   <p:childTnLst>
                                     <p:animMotion origin="layout" path="M -1.94444E-6 0 L -0.5217 -0.00031 " pathEditMode="relative" rAng="0" ptsTypes="AA">
                                       <p:cBhvr>
-                                        <p:cTn id="46" dur="2000" fill="hold"/>
+                                        <p:cTn id="28" dur="2000" fill="hold"/>
                                         <p:tgtEl>
                                           <p:spTgt spid="2"/>
                                         </p:tgtEl>
@@ -11847,34 +11529,14 @@
             <a:pPr marL="114300" lvl="0" indent="0">
               <a:buNone/>
             </a:pPr>
-            <a:endParaRPr lang="en-US" sz="2200" dirty="0">
-              <a:solidFill>
-                <a:schemeClr val="bg1"/>
-              </a:solidFill>
-            </a:endParaRPr>
-          </a:p>
-          <a:p>
-            <a:pPr marL="114300" lvl="0" indent="0">
-              <a:buNone/>
-            </a:pPr>
             <a:r>
               <a:rPr lang="en-US" sz="2200" dirty="0">
                 <a:solidFill>
                   <a:schemeClr val="bg1"/>
                 </a:solidFill>
               </a:rPr>
-              <a:t>Training and use of model can be at different times</a:t>
+              <a:t>Training time and run time can significantly differ</a:t>
             </a:r>
-          </a:p>
-          <a:p>
-            <a:pPr marL="114300" lvl="0" indent="0">
-              <a:buNone/>
-            </a:pPr>
-            <a:endParaRPr lang="en-US" sz="2200" dirty="0">
-              <a:solidFill>
-                <a:schemeClr val="bg1"/>
-              </a:solidFill>
-            </a:endParaRPr>
           </a:p>
           <a:p>
             <a:pPr marL="114300" lvl="0" indent="0">
@@ -11992,6 +11654,183 @@
       <p:transition/>
     </mc:Fallback>
   </mc:AlternateContent>
+  <p:timing>
+    <p:tnLst>
+      <p:par>
+        <p:cTn id="1" dur="indefinite" restart="never" nodeType="tmRoot">
+          <p:childTnLst>
+            <p:seq concurrent="1" nextAc="seek">
+              <p:cTn id="2" dur="indefinite" nodeType="mainSeq">
+                <p:childTnLst>
+                  <p:par>
+                    <p:cTn id="3" fill="hold">
+                      <p:stCondLst>
+                        <p:cond delay="indefinite"/>
+                      </p:stCondLst>
+                      <p:childTnLst>
+                        <p:par>
+                          <p:cTn id="4" fill="hold">
+                            <p:stCondLst>
+                              <p:cond delay="0"/>
+                            </p:stCondLst>
+                            <p:childTnLst>
+                              <p:par>
+                                <p:cTn id="5" presetID="1" presetClass="entr" presetSubtype="0" fill="hold" nodeType="clickEffect">
+                                  <p:stCondLst>
+                                    <p:cond delay="0"/>
+                                  </p:stCondLst>
+                                  <p:childTnLst>
+                                    <p:set>
+                                      <p:cBhvr>
+                                        <p:cTn id="6" dur="1" fill="hold">
+                                          <p:stCondLst>
+                                            <p:cond delay="0"/>
+                                          </p:stCondLst>
+                                        </p:cTn>
+                                        <p:tgtEl>
+                                          <p:spTgt spid="4">
+                                            <p:txEl>
+                                              <p:pRg st="2" end="2"/>
+                                            </p:txEl>
+                                          </p:spTgt>
+                                        </p:tgtEl>
+                                        <p:attrNameLst>
+                                          <p:attrName>style.visibility</p:attrName>
+                                        </p:attrNameLst>
+                                      </p:cBhvr>
+                                      <p:to>
+                                        <p:strVal val="visible"/>
+                                      </p:to>
+                                    </p:set>
+                                  </p:childTnLst>
+                                </p:cTn>
+                              </p:par>
+                            </p:childTnLst>
+                          </p:cTn>
+                        </p:par>
+                      </p:childTnLst>
+                    </p:cTn>
+                  </p:par>
+                  <p:par>
+                    <p:cTn id="7" fill="hold">
+                      <p:stCondLst>
+                        <p:cond delay="indefinite"/>
+                      </p:stCondLst>
+                      <p:childTnLst>
+                        <p:par>
+                          <p:cTn id="8" fill="hold">
+                            <p:stCondLst>
+                              <p:cond delay="0"/>
+                            </p:stCondLst>
+                            <p:childTnLst>
+                              <p:par>
+                                <p:cTn id="9" presetID="1" presetClass="entr" presetSubtype="0" fill="hold" nodeType="clickEffect">
+                                  <p:stCondLst>
+                                    <p:cond delay="0"/>
+                                  </p:stCondLst>
+                                  <p:childTnLst>
+                                    <p:set>
+                                      <p:cBhvr>
+                                        <p:cTn id="10" dur="1" fill="hold">
+                                          <p:stCondLst>
+                                            <p:cond delay="0"/>
+                                          </p:stCondLst>
+                                        </p:cTn>
+                                        <p:tgtEl>
+                                          <p:spTgt spid="4">
+                                            <p:txEl>
+                                              <p:pRg st="4" end="4"/>
+                                            </p:txEl>
+                                          </p:spTgt>
+                                        </p:tgtEl>
+                                        <p:attrNameLst>
+                                          <p:attrName>style.visibility</p:attrName>
+                                        </p:attrNameLst>
+                                      </p:cBhvr>
+                                      <p:to>
+                                        <p:strVal val="visible"/>
+                                      </p:to>
+                                    </p:set>
+                                  </p:childTnLst>
+                                </p:cTn>
+                              </p:par>
+                            </p:childTnLst>
+                          </p:cTn>
+                        </p:par>
+                      </p:childTnLst>
+                    </p:cTn>
+                  </p:par>
+                  <p:par>
+                    <p:cTn id="11" fill="hold">
+                      <p:stCondLst>
+                        <p:cond delay="indefinite"/>
+                      </p:stCondLst>
+                      <p:childTnLst>
+                        <p:par>
+                          <p:cTn id="12" fill="hold">
+                            <p:stCondLst>
+                              <p:cond delay="0"/>
+                            </p:stCondLst>
+                            <p:childTnLst>
+                              <p:par>
+                                <p:cTn id="13" presetID="1" presetClass="entr" presetSubtype="0" fill="hold" nodeType="clickEffect">
+                                  <p:stCondLst>
+                                    <p:cond delay="0"/>
+                                  </p:stCondLst>
+                                  <p:childTnLst>
+                                    <p:set>
+                                      <p:cBhvr>
+                                        <p:cTn id="14" dur="1" fill="hold">
+                                          <p:stCondLst>
+                                            <p:cond delay="0"/>
+                                          </p:stCondLst>
+                                        </p:cTn>
+                                        <p:tgtEl>
+                                          <p:spTgt spid="4">
+                                            <p:txEl>
+                                              <p:pRg st="6" end="6"/>
+                                            </p:txEl>
+                                          </p:spTgt>
+                                        </p:tgtEl>
+                                        <p:attrNameLst>
+                                          <p:attrName>style.visibility</p:attrName>
+                                        </p:attrNameLst>
+                                      </p:cBhvr>
+                                      <p:to>
+                                        <p:strVal val="visible"/>
+                                      </p:to>
+                                    </p:set>
+                                  </p:childTnLst>
+                                </p:cTn>
+                              </p:par>
+                            </p:childTnLst>
+                          </p:cTn>
+                        </p:par>
+                      </p:childTnLst>
+                    </p:cTn>
+                  </p:par>
+                </p:childTnLst>
+              </p:cTn>
+              <p:prevCondLst>
+                <p:cond evt="onPrev" delay="0">
+                  <p:tgtEl>
+                    <p:sldTgt/>
+                  </p:tgtEl>
+                </p:cond>
+              </p:prevCondLst>
+              <p:nextCondLst>
+                <p:cond evt="onNext" delay="0">
+                  <p:tgtEl>
+                    <p:sldTgt/>
+                  </p:tgtEl>
+                </p:cond>
+              </p:nextCondLst>
+            </p:seq>
+          </p:childTnLst>
+        </p:cTn>
+      </p:par>
+    </p:tnLst>
+  </p:timing>
 </p:sld>
 </file>
 
@@ -13223,6 +13062,11 @@
             </a:r>
           </a:p>
           <a:p>
+            <a:pPr>
+              <a:buClr>
+                <a:srgbClr val="72AF2F"/>
+              </a:buClr>
+            </a:pPr>
             <a:r>
               <a:rPr lang="en-US" sz="2000" dirty="0">
                 <a:solidFill>
@@ -13246,6 +13090,11 @@
             </a:endParaRPr>
           </a:p>
           <a:p>
+            <a:pPr>
+              <a:buClr>
+                <a:srgbClr val="72AF2F"/>
+              </a:buClr>
+            </a:pPr>
             <a:r>
               <a:rPr lang="en-US" sz="2000" dirty="0">
                 <a:solidFill>
@@ -13256,6 +13105,11 @@
             </a:r>
           </a:p>
           <a:p>
+            <a:pPr>
+              <a:buClr>
+                <a:srgbClr val="72AF2F"/>
+              </a:buClr>
+            </a:pPr>
             <a:r>
               <a:rPr lang="en-US" sz="2000" dirty="0">
                 <a:solidFill>
@@ -13297,7 +13151,11 @@
             </a:r>
           </a:p>
           <a:p>
-            <a:pPr marL="1168400" indent="355600"/>
+            <a:pPr marL="1168400" indent="355600">
+              <a:buClr>
+                <a:srgbClr val="72AF2F"/>
+              </a:buClr>
+            </a:pPr>
             <a:r>
               <a:rPr lang="en-US" sz="2000" dirty="0">
                 <a:solidFill>
@@ -13324,7 +13182,11 @@
             </a:r>
           </a:p>
           <a:p>
-            <a:pPr marL="1168400" indent="355600"/>
+            <a:pPr marL="1168400" indent="355600">
+              <a:buClr>
+                <a:srgbClr val="72AF2F"/>
+              </a:buClr>
+            </a:pPr>
             <a:r>
               <a:rPr lang="en-US" sz="2000" dirty="0">
                 <a:solidFill>
@@ -13335,7 +13197,11 @@
             </a:r>
           </a:p>
           <a:p>
-            <a:pPr marL="1168400" indent="355600"/>
+            <a:pPr marL="1168400" indent="355600">
+              <a:buClr>
+                <a:srgbClr val="72AF2F"/>
+              </a:buClr>
+            </a:pPr>
             <a:r>
               <a:rPr lang="en-US" sz="2000" dirty="0">
                 <a:solidFill>
@@ -13365,7 +13231,7 @@
                   <a:srgbClr val="72AF2F"/>
                 </a:solidFill>
               </a:rPr>
-              <a:t>Make sure your git is configured to accept large files (see </a:t>
+              <a:t>Storing large file needs special git configuration (see </a:t>
             </a:r>
             <a:r>
               <a:rPr lang="en-US" sz="2200" dirty="0">
@@ -13691,15 +13557,33 @@
                                   </p:childTnLst>
                                 </p:cTn>
                               </p:par>
+                            </p:childTnLst>
+                          </p:cTn>
+                        </p:par>
+                      </p:childTnLst>
+                    </p:cTn>
+                  </p:par>
+                  <p:par>
+                    <p:cTn id="23" fill="hold">
+                      <p:stCondLst>
+                        <p:cond delay="indefinite"/>
+                      </p:stCondLst>
+                      <p:childTnLst>
+                        <p:par>
+                          <p:cTn id="24" fill="hold">
+                            <p:stCondLst>
+                              <p:cond delay="0"/>
+                            </p:stCondLst>
+                            <p:childTnLst>
                               <p:par>
-                                <p:cTn id="23" presetID="1" presetClass="entr" presetSubtype="0" fill="hold" nodeType="withEffect">
+                                <p:cTn id="25" presetID="1" presetClass="entr" presetSubtype="0" fill="hold" nodeType="clickEffect">
                                   <p:stCondLst>
                                     <p:cond delay="0"/>
                                   </p:stCondLst>
                                   <p:childTnLst>
                                     <p:set>
                                       <p:cBhvr>
-                                        <p:cTn id="24" dur="1" fill="hold">
+                                        <p:cTn id="26" dur="1" fill="hold">
                                           <p:stCondLst>
                                             <p:cond delay="0"/>
                                           </p:stCondLst>
@@ -13729,50 +13613,19 @@
                     </p:cTn>
                   </p:par>
                   <p:par>
-                    <p:cTn id="25" fill="hold">
+                    <p:cTn id="27" fill="hold">
                       <p:stCondLst>
                         <p:cond delay="indefinite"/>
                       </p:stCondLst>
                       <p:childTnLst>
                         <p:par>
-                          <p:cTn id="26" fill="hold">
+                          <p:cTn id="28" fill="hold">
                             <p:stCondLst>
                               <p:cond delay="0"/>
                             </p:stCondLst>
                             <p:childTnLst>
                               <p:par>
-                                <p:cTn id="27" presetID="1" presetClass="exit" presetSubtype="0" fill="hold" grpId="0" nodeType="clickEffect">
-                                  <p:stCondLst>
-                                    <p:cond delay="0"/>
-                                  </p:stCondLst>
-                                  <p:childTnLst>
-                                    <p:set>
-                                      <p:cBhvr>
-                                        <p:cTn id="28" dur="1" fill="hold">
-                                          <p:stCondLst>
-                                            <p:cond delay="0"/>
-                                          </p:stCondLst>
-                                        </p:cTn>
-                                        <p:tgtEl>
-                                          <p:spTgt spid="4">
-                                            <p:txEl>
-                                              <p:pRg st="0" end="0"/>
-                                            </p:txEl>
-                                          </p:spTgt>
-                                        </p:tgtEl>
-                                        <p:attrNameLst>
-                                          <p:attrName>style.visibility</p:attrName>
-                                        </p:attrNameLst>
-                                      </p:cBhvr>
-                                      <p:to>
-                                        <p:strVal val="hidden"/>
-                                      </p:to>
-                                    </p:set>
-                                  </p:childTnLst>
-                                </p:cTn>
-                              </p:par>
-                              <p:par>
-                                <p:cTn id="29" presetID="1" presetClass="exit" presetSubtype="0" fill="hold" grpId="0" nodeType="withEffect">
+                                <p:cTn id="29" presetID="1" presetClass="exit" presetSubtype="0" fill="hold" grpId="0" nodeType="clickEffect">
                                   <p:stCondLst>
                                     <p:cond delay="0"/>
                                   </p:stCondLst>
@@ -13787,7 +13640,7 @@
                                         <p:tgtEl>
                                           <p:spTgt spid="4">
                                             <p:txEl>
-                                              <p:pRg st="1" end="1"/>
+                                              <p:pRg st="0" end="0"/>
                                             </p:txEl>
                                           </p:spTgt>
                                         </p:tgtEl>
@@ -13818,7 +13671,7 @@
                                         <p:tgtEl>
                                           <p:spTgt spid="4">
                                             <p:txEl>
-                                              <p:pRg st="2" end="2"/>
+                                              <p:pRg st="1" end="1"/>
                                             </p:txEl>
                                           </p:spTgt>
                                         </p:tgtEl>
@@ -13849,7 +13702,7 @@
                                         <p:tgtEl>
                                           <p:spTgt spid="4">
                                             <p:txEl>
-                                              <p:pRg st="3" end="3"/>
+                                              <p:pRg st="2" end="2"/>
                                             </p:txEl>
                                           </p:spTgt>
                                         </p:tgtEl>
@@ -13880,7 +13733,7 @@
                                         <p:tgtEl>
                                           <p:spTgt spid="4">
                                             <p:txEl>
-                                              <p:pRg st="5" end="5"/>
+                                              <p:pRg st="3" end="3"/>
                                             </p:txEl>
                                           </p:spTgt>
                                         </p:tgtEl>
@@ -13911,7 +13764,7 @@
                                         <p:tgtEl>
                                           <p:spTgt spid="4">
                                             <p:txEl>
-                                              <p:pRg st="6" end="6"/>
+                                              <p:pRg st="5" end="5"/>
                                             </p:txEl>
                                           </p:spTgt>
                                         </p:tgtEl>
@@ -13942,7 +13795,7 @@
                                         <p:tgtEl>
                                           <p:spTgt spid="4">
                                             <p:txEl>
-                                              <p:pRg st="7" end="7"/>
+                                              <p:pRg st="6" end="6"/>
                                             </p:txEl>
                                           </p:spTgt>
                                         </p:tgtEl>
@@ -13973,7 +13826,7 @@
                                         <p:tgtEl>
                                           <p:spTgt spid="4">
                                             <p:txEl>
-                                              <p:pRg st="8" end="8"/>
+                                              <p:pRg st="7" end="7"/>
                                             </p:txEl>
                                           </p:spTgt>
                                         </p:tgtEl>
@@ -13988,26 +13841,39 @@
                                   </p:childTnLst>
                                 </p:cTn>
                               </p:par>
-                            </p:childTnLst>
-                          </p:cTn>
-                        </p:par>
-                      </p:childTnLst>
-                    </p:cTn>
-                  </p:par>
-                  <p:par>
-                    <p:cTn id="43" fill="hold">
-                      <p:stCondLst>
-                        <p:cond delay="indefinite"/>
-                      </p:stCondLst>
-                      <p:childTnLst>
-                        <p:par>
-                          <p:cTn id="44" fill="hold">
-                            <p:stCondLst>
-                              <p:cond delay="0"/>
-                            </p:stCondLst>
-                            <p:childTnLst>
                               <p:par>
-                                <p:cTn id="45" presetID="1" presetClass="exit" presetSubtype="0" fill="hold" grpId="0" nodeType="clickEffect">
+                                <p:cTn id="43" presetID="1" presetClass="exit" presetSubtype="0" fill="hold" nodeType="withEffect">
+                                  <p:stCondLst>
+                                    <p:cond delay="0"/>
+                                  </p:stCondLst>
+                                  <p:childTnLst>
+                                    <p:set>
+                                      <p:cBhvr>
+                                        <p:cTn id="44" dur="1" fill="hold">
+                                          <p:stCondLst>
+                                            <p:cond delay="0"/>
+                                          </p:stCondLst>
+                                        </p:cTn>
+                                        <p:tgtEl>
+                                          <p:spTgt spid="4">
+                                            <p:txEl>
+                                              <p:pRg st="10" end="10"/>
+                                            </p:txEl>
+                                          </p:spTgt>
+                                        </p:tgtEl>
+                                        <p:attrNameLst>
+                                          <p:attrName>style.visibility</p:attrName>
+                                        </p:attrNameLst>
+                                      </p:cBhvr>
+                                      <p:to>
+                                        <p:strVal val="hidden"/>
+                                      </p:to>
+                                    </p:set>
+                                  </p:childTnLst>
+                                </p:cTn>
+                              </p:par>
+                              <p:par>
+                                <p:cTn id="45" presetID="1" presetClass="exit" presetSubtype="0" fill="hold" grpId="0" nodeType="withEffect">
                                   <p:stCondLst>
                                     <p:cond delay="0"/>
                                   </p:stCondLst>
@@ -14022,7 +13888,7 @@
                                         <p:tgtEl>
                                           <p:spTgt spid="4">
                                             <p:txEl>
-                                              <p:pRg st="10" end="10"/>
+                                              <p:pRg st="8" end="8"/>
                                             </p:txEl>
                                           </p:spTgt>
                                         </p:tgtEl>
@@ -14301,7 +14167,7 @@
                   <a:schemeClr val="tx1"/>
                 </a:solidFill>
               </a:rPr>
-              <a:t>How do you evaluate trained models?</a:t>
+              <a:t>What was the best model you’ve found?</a:t>
             </a:r>
           </a:p>
           <a:p>
@@ -14324,7 +14190,7 @@
                   <a:schemeClr val="tx1"/>
                 </a:solidFill>
               </a:rPr>
-              <a:t>How do you store trained models?</a:t>
+              <a:t>How did you go about searching?</a:t>
             </a:r>
           </a:p>
           <a:p>
@@ -14333,7 +14199,7 @@
             </a:pPr>
             <a:endParaRPr lang="en-US" sz="2200" dirty="0">
               <a:solidFill>
-                <a:schemeClr val="tx1"/>
+                <a:srgbClr val="72AF2F"/>
               </a:solidFill>
             </a:endParaRPr>
           </a:p>
@@ -14347,7 +14213,7 @@
                   <a:schemeClr val="tx1"/>
                 </a:solidFill>
               </a:rPr>
-              <a:t>How do you use them as part of a software system?</a:t>
+              <a:t>Let’s compare this against the results of our Grid Search…</a:t>
             </a:r>
           </a:p>
           <a:p>
@@ -14356,9 +14222,22 @@
             </a:pPr>
             <a:endParaRPr lang="en-US" sz="2200" dirty="0">
               <a:solidFill>
-                <a:srgbClr val="72AF2F"/>
+                <a:schemeClr val="tx1"/>
               </a:solidFill>
             </a:endParaRPr>
+          </a:p>
+          <a:p>
+            <a:pPr marL="114300" indent="0">
+              <a:buNone/>
+            </a:pPr>
+            <a:r>
+              <a:rPr lang="en-US" sz="2200" dirty="0">
+                <a:solidFill>
+                  <a:schemeClr val="tx1"/>
+                </a:solidFill>
+              </a:rPr>
+              <a:t>So … are our results good?</a:t>
+            </a:r>
           </a:p>
           <a:p>
             <a:pPr marL="114300" indent="0">
@@ -14392,6 +14271,183 @@
   <p:clrMapOvr>
     <a:masterClrMapping/>
   </p:clrMapOvr>
+  <p:timing>
+    <p:tnLst>
+      <p:par>
+        <p:cTn id="1" dur="indefinite" restart="never" nodeType="tmRoot">
+          <p:childTnLst>
+            <p:seq concurrent="1" nextAc="seek">
+              <p:cTn id="2" dur="indefinite" nodeType="mainSeq">
+                <p:childTnLst>
+                  <p:par>
+                    <p:cTn id="3" fill="hold">
+                      <p:stCondLst>
+                        <p:cond delay="indefinite"/>
+                      </p:stCondLst>
+                      <p:childTnLst>
+                        <p:par>
+                          <p:cTn id="4" fill="hold">
+                            <p:stCondLst>
+                              <p:cond delay="0"/>
+                            </p:stCondLst>
+                            <p:childTnLst>
+                              <p:par>
+                                <p:cTn id="5" presetID="1" presetClass="entr" presetSubtype="0" fill="hold" nodeType="clickEffect">
+                                  <p:stCondLst>
+                                    <p:cond delay="0"/>
+                                  </p:stCondLst>
+                                  <p:childTnLst>
+                                    <p:set>
+                                      <p:cBhvr>
+                                        <p:cTn id="6" dur="1" fill="hold">
+                                          <p:stCondLst>
+                                            <p:cond delay="0"/>
+                                          </p:stCondLst>
+                                        </p:cTn>
+                                        <p:tgtEl>
+                                          <p:spTgt spid="97">
+                                            <p:txEl>
+                                              <p:pRg st="2" end="2"/>
+                                            </p:txEl>
+                                          </p:spTgt>
+                                        </p:tgtEl>
+                                        <p:attrNameLst>
+                                          <p:attrName>style.visibility</p:attrName>
+                                        </p:attrNameLst>
+                                      </p:cBhvr>
+                                      <p:to>
+                                        <p:strVal val="visible"/>
+                                      </p:to>
+                                    </p:set>
+                                  </p:childTnLst>
+                                </p:cTn>
+                              </p:par>
+                            </p:childTnLst>
+                          </p:cTn>
+                        </p:par>
+                      </p:childTnLst>
+                    </p:cTn>
+                  </p:par>
+                  <p:par>
+                    <p:cTn id="7" fill="hold">
+                      <p:stCondLst>
+                        <p:cond delay="indefinite"/>
+                      </p:stCondLst>
+                      <p:childTnLst>
+                        <p:par>
+                          <p:cTn id="8" fill="hold">
+                            <p:stCondLst>
+                              <p:cond delay="0"/>
+                            </p:stCondLst>
+                            <p:childTnLst>
+                              <p:par>
+                                <p:cTn id="9" presetID="1" presetClass="entr" presetSubtype="0" fill="hold" nodeType="clickEffect">
+                                  <p:stCondLst>
+                                    <p:cond delay="0"/>
+                                  </p:stCondLst>
+                                  <p:childTnLst>
+                                    <p:set>
+                                      <p:cBhvr>
+                                        <p:cTn id="10" dur="1" fill="hold">
+                                          <p:stCondLst>
+                                            <p:cond delay="0"/>
+                                          </p:stCondLst>
+                                        </p:cTn>
+                                        <p:tgtEl>
+                                          <p:spTgt spid="97">
+                                            <p:txEl>
+                                              <p:pRg st="4" end="4"/>
+                                            </p:txEl>
+                                          </p:spTgt>
+                                        </p:tgtEl>
+                                        <p:attrNameLst>
+                                          <p:attrName>style.visibility</p:attrName>
+                                        </p:attrNameLst>
+                                      </p:cBhvr>
+                                      <p:to>
+                                        <p:strVal val="visible"/>
+                                      </p:to>
+                                    </p:set>
+                                  </p:childTnLst>
+                                </p:cTn>
+                              </p:par>
+                            </p:childTnLst>
+                          </p:cTn>
+                        </p:par>
+                      </p:childTnLst>
+                    </p:cTn>
+                  </p:par>
+                  <p:par>
+                    <p:cTn id="11" fill="hold">
+                      <p:stCondLst>
+                        <p:cond delay="indefinite"/>
+                      </p:stCondLst>
+                      <p:childTnLst>
+                        <p:par>
+                          <p:cTn id="12" fill="hold">
+                            <p:stCondLst>
+                              <p:cond delay="0"/>
+                            </p:stCondLst>
+                            <p:childTnLst>
+                              <p:par>
+                                <p:cTn id="13" presetID="1" presetClass="entr" presetSubtype="0" fill="hold" nodeType="clickEffect">
+                                  <p:stCondLst>
+                                    <p:cond delay="0"/>
+                                  </p:stCondLst>
+                                  <p:childTnLst>
+                                    <p:set>
+                                      <p:cBhvr>
+                                        <p:cTn id="14" dur="1" fill="hold">
+                                          <p:stCondLst>
+                                            <p:cond delay="0"/>
+                                          </p:stCondLst>
+                                        </p:cTn>
+                                        <p:tgtEl>
+                                          <p:spTgt spid="97">
+                                            <p:txEl>
+                                              <p:pRg st="6" end="6"/>
+                                            </p:txEl>
+                                          </p:spTgt>
+                                        </p:tgtEl>
+                                        <p:attrNameLst>
+                                          <p:attrName>style.visibility</p:attrName>
+                                        </p:attrNameLst>
+                                      </p:cBhvr>
+                                      <p:to>
+                                        <p:strVal val="visible"/>
+                                      </p:to>
+                                    </p:set>
+                                  </p:childTnLst>
+                                </p:cTn>
+                              </p:par>
+                            </p:childTnLst>
+                          </p:cTn>
+                        </p:par>
+                      </p:childTnLst>
+                    </p:cTn>
+                  </p:par>
+                </p:childTnLst>
+              </p:cTn>
+              <p:prevCondLst>
+                <p:cond evt="onPrev" delay="0">
+                  <p:tgtEl>
+                    <p:sldTgt/>
+                  </p:tgtEl>
+                </p:cond>
+              </p:prevCondLst>
+              <p:nextCondLst>
+                <p:cond evt="onNext" delay="0">
+                  <p:tgtEl>
+                    <p:sldTgt/>
+                  </p:tgtEl>
+                </p:cond>
+              </p:nextCondLst>
+            </p:seq>
+          </p:childTnLst>
+        </p:cTn>
+      </p:par>
+    </p:tnLst>
+  </p:timing>
 </p:sld>
 </file>
 
@@ -16670,6 +16726,245 @@
       <p:transition/>
     </mc:Fallback>
   </mc:AlternateContent>
+  <p:timing>
+    <p:tnLst>
+      <p:par>
+        <p:cTn id="1" dur="indefinite" restart="never" nodeType="tmRoot">
+          <p:childTnLst>
+            <p:seq concurrent="1" nextAc="seek">
+              <p:cTn id="2" dur="indefinite" nodeType="mainSeq">
+                <p:childTnLst>
+                  <p:par>
+                    <p:cTn id="3" fill="hold">
+                      <p:stCondLst>
+                        <p:cond delay="indefinite"/>
+                      </p:stCondLst>
+                      <p:childTnLst>
+                        <p:par>
+                          <p:cTn id="4" fill="hold">
+                            <p:stCondLst>
+                              <p:cond delay="0"/>
+                            </p:stCondLst>
+                            <p:childTnLst>
+                              <p:par>
+                                <p:cTn id="5" presetID="1" presetClass="entr" presetSubtype="0" fill="hold" nodeType="clickEffect">
+                                  <p:stCondLst>
+                                    <p:cond delay="0"/>
+                                  </p:stCondLst>
+                                  <p:childTnLst>
+                                    <p:set>
+                                      <p:cBhvr>
+                                        <p:cTn id="6" dur="1" fill="hold">
+                                          <p:stCondLst>
+                                            <p:cond delay="0"/>
+                                          </p:stCondLst>
+                                        </p:cTn>
+                                        <p:tgtEl>
+                                          <p:spTgt spid="4">
+                                            <p:txEl>
+                                              <p:pRg st="3" end="3"/>
+                                            </p:txEl>
+                                          </p:spTgt>
+                                        </p:tgtEl>
+                                        <p:attrNameLst>
+                                          <p:attrName>style.visibility</p:attrName>
+                                        </p:attrNameLst>
+                                      </p:cBhvr>
+                                      <p:to>
+                                        <p:strVal val="visible"/>
+                                      </p:to>
+                                    </p:set>
+                                  </p:childTnLst>
+                                </p:cTn>
+                              </p:par>
+                              <p:par>
+                                <p:cTn id="7" presetID="1" presetClass="entr" presetSubtype="0" fill="hold" nodeType="withEffect">
+                                  <p:stCondLst>
+                                    <p:cond delay="0"/>
+                                  </p:stCondLst>
+                                  <p:childTnLst>
+                                    <p:set>
+                                      <p:cBhvr>
+                                        <p:cTn id="8" dur="1" fill="hold">
+                                          <p:stCondLst>
+                                            <p:cond delay="0"/>
+                                          </p:stCondLst>
+                                        </p:cTn>
+                                        <p:tgtEl>
+                                          <p:spTgt spid="4">
+                                            <p:txEl>
+                                              <p:pRg st="4" end="4"/>
+                                            </p:txEl>
+                                          </p:spTgt>
+                                        </p:tgtEl>
+                                        <p:attrNameLst>
+                                          <p:attrName>style.visibility</p:attrName>
+                                        </p:attrNameLst>
+                                      </p:cBhvr>
+                                      <p:to>
+                                        <p:strVal val="visible"/>
+                                      </p:to>
+                                    </p:set>
+                                  </p:childTnLst>
+                                </p:cTn>
+                              </p:par>
+                              <p:par>
+                                <p:cTn id="9" presetID="1" presetClass="entr" presetSubtype="0" fill="hold" nodeType="withEffect">
+                                  <p:stCondLst>
+                                    <p:cond delay="0"/>
+                                  </p:stCondLst>
+                                  <p:childTnLst>
+                                    <p:set>
+                                      <p:cBhvr>
+                                        <p:cTn id="10" dur="1" fill="hold">
+                                          <p:stCondLst>
+                                            <p:cond delay="0"/>
+                                          </p:stCondLst>
+                                        </p:cTn>
+                                        <p:tgtEl>
+                                          <p:spTgt spid="4">
+                                            <p:txEl>
+                                              <p:pRg st="5" end="5"/>
+                                            </p:txEl>
+                                          </p:spTgt>
+                                        </p:tgtEl>
+                                        <p:attrNameLst>
+                                          <p:attrName>style.visibility</p:attrName>
+                                        </p:attrNameLst>
+                                      </p:cBhvr>
+                                      <p:to>
+                                        <p:strVal val="visible"/>
+                                      </p:to>
+                                    </p:set>
+                                  </p:childTnLst>
+                                </p:cTn>
+                              </p:par>
+                            </p:childTnLst>
+                          </p:cTn>
+                        </p:par>
+                      </p:childTnLst>
+                    </p:cTn>
+                  </p:par>
+                  <p:par>
+                    <p:cTn id="11" fill="hold">
+                      <p:stCondLst>
+                        <p:cond delay="indefinite"/>
+                      </p:stCondLst>
+                      <p:childTnLst>
+                        <p:par>
+                          <p:cTn id="12" fill="hold">
+                            <p:stCondLst>
+                              <p:cond delay="0"/>
+                            </p:stCondLst>
+                            <p:childTnLst>
+                              <p:par>
+                                <p:cTn id="13" presetID="1" presetClass="entr" presetSubtype="0" fill="hold" nodeType="clickEffect">
+                                  <p:stCondLst>
+                                    <p:cond delay="0"/>
+                                  </p:stCondLst>
+                                  <p:childTnLst>
+                                    <p:set>
+                                      <p:cBhvr>
+                                        <p:cTn id="14" dur="1" fill="hold">
+                                          <p:stCondLst>
+                                            <p:cond delay="0"/>
+                                          </p:stCondLst>
+                                        </p:cTn>
+                                        <p:tgtEl>
+                                          <p:spTgt spid="4">
+                                            <p:txEl>
+                                              <p:pRg st="6" end="6"/>
+                                            </p:txEl>
+                                          </p:spTgt>
+                                        </p:tgtEl>
+                                        <p:attrNameLst>
+                                          <p:attrName>style.visibility</p:attrName>
+                                        </p:attrNameLst>
+                                      </p:cBhvr>
+                                      <p:to>
+                                        <p:strVal val="visible"/>
+                                      </p:to>
+                                    </p:set>
+                                  </p:childTnLst>
+                                </p:cTn>
+                              </p:par>
+                            </p:childTnLst>
+                          </p:cTn>
+                        </p:par>
+                      </p:childTnLst>
+                    </p:cTn>
+                  </p:par>
+                  <p:par>
+                    <p:cTn id="15" fill="hold">
+                      <p:stCondLst>
+                        <p:cond delay="indefinite"/>
+                      </p:stCondLst>
+                      <p:childTnLst>
+                        <p:par>
+                          <p:cTn id="16" fill="hold">
+                            <p:stCondLst>
+                              <p:cond delay="0"/>
+                            </p:stCondLst>
+                            <p:childTnLst>
+                              <p:par>
+                                <p:cTn id="17" presetID="1" presetClass="entr" presetSubtype="0" fill="hold" nodeType="clickEffect">
+                                  <p:stCondLst>
+                                    <p:cond delay="0"/>
+                                  </p:stCondLst>
+                                  <p:childTnLst>
+                                    <p:set>
+                                      <p:cBhvr>
+                                        <p:cTn id="18" dur="1" fill="hold">
+                                          <p:stCondLst>
+                                            <p:cond delay="0"/>
+                                          </p:stCondLst>
+                                        </p:cTn>
+                                        <p:tgtEl>
+                                          <p:spTgt spid="4">
+                                            <p:txEl>
+                                              <p:pRg st="8" end="8"/>
+                                            </p:txEl>
+                                          </p:spTgt>
+                                        </p:tgtEl>
+                                        <p:attrNameLst>
+                                          <p:attrName>style.visibility</p:attrName>
+                                        </p:attrNameLst>
+                                      </p:cBhvr>
+                                      <p:to>
+                                        <p:strVal val="visible"/>
+                                      </p:to>
+                                    </p:set>
+                                  </p:childTnLst>
+                                </p:cTn>
+                              </p:par>
+                            </p:childTnLst>
+                          </p:cTn>
+                        </p:par>
+                      </p:childTnLst>
+                    </p:cTn>
+                  </p:par>
+                </p:childTnLst>
+              </p:cTn>
+              <p:prevCondLst>
+                <p:cond evt="onPrev" delay="0">
+                  <p:tgtEl>
+                    <p:sldTgt/>
+                  </p:tgtEl>
+                </p:cond>
+              </p:prevCondLst>
+              <p:nextCondLst>
+                <p:cond evt="onNext" delay="0">
+                  <p:tgtEl>
+                    <p:sldTgt/>
+                  </p:tgtEl>
+                </p:cond>
+              </p:nextCondLst>
+            </p:seq>
+          </p:childTnLst>
+        </p:cTn>
+      </p:par>
+    </p:tnLst>
+  </p:timing>
 </p:sld>
 </file>
 

--- a/documentation/Session 3.pptx
+++ b/documentation/Session 3.pptx
@@ -5,7 +5,7 @@
     <p:sldMasterId id="2147483659" r:id="rId1"/>
   </p:sldMasterIdLst>
   <p:notesMasterIdLst>
-    <p:notesMasterId r:id="rId19"/>
+    <p:notesMasterId r:id="rId20"/>
   </p:notesMasterIdLst>
   <p:sldIdLst>
     <p:sldId id="256" r:id="rId2"/>
@@ -18,13 +18,14 @@
     <p:sldId id="611" r:id="rId9"/>
     <p:sldId id="613" r:id="rId10"/>
     <p:sldId id="615" r:id="rId11"/>
-    <p:sldId id="621" r:id="rId12"/>
+    <p:sldId id="642" r:id="rId12"/>
     <p:sldId id="640" r:id="rId13"/>
     <p:sldId id="614" r:id="rId14"/>
     <p:sldId id="635" r:id="rId15"/>
     <p:sldId id="639" r:id="rId16"/>
     <p:sldId id="619" r:id="rId17"/>
-    <p:sldId id="594" r:id="rId18"/>
+    <p:sldId id="641" r:id="rId18"/>
+    <p:sldId id="594" r:id="rId19"/>
   </p:sldIdLst>
   <p:sldSz cx="9144000" cy="5143500" type="screen16x9"/>
   <p:notesSz cx="6858000" cy="9144000"/>
@@ -284,7 +285,7 @@
         <p14:section name="Part 2: How to use models?" id="{3A67B9BC-F698-4737-9C99-2971DF12F492}">
           <p14:sldIdLst>
             <p14:sldId id="615"/>
-            <p14:sldId id="621"/>
+            <p14:sldId id="642"/>
             <p14:sldId id="640"/>
           </p14:sldIdLst>
         </p14:section>
@@ -298,6 +299,7 @@
         </p14:section>
         <p14:section name="Homework" id="{1DEB8295-EB72-4438-859C-56B54CDA8C7A}">
           <p14:sldIdLst>
+            <p14:sldId id="641"/>
             <p14:sldId id="594"/>
           </p14:sldIdLst>
         </p14:section>
@@ -1071,21 +1073,8 @@
             </a:pPr>
             <a:r>
               <a:rPr lang="en-US" i="0" dirty="0"/>
-              <a:t>On a high level of abstraction, machine learning is just a different way to define a function. Rather than writing the function with instructions you are learning the function from data. And just as there are different ways to use a function, there are different use cases for machine learning models. </a:t>
+              <a:t>You never build a machine learning model just for the sake of building it.</a:t>
             </a:r>
-          </a:p>
-          <a:p>
-            <a:pPr marL="0" lvl="0" indent="0" algn="l" rtl="0">
-              <a:spcBef>
-                <a:spcPts val="0"/>
-              </a:spcBef>
-              <a:spcAft>
-                <a:spcPts val="0"/>
-              </a:spcAft>
-              <a:buFontTx/>
-              <a:buNone/>
-            </a:pPr>
-            <a:endParaRPr lang="en-US" i="0" dirty="0"/>
           </a:p>
           <a:p>
             <a:pPr marL="0" lvl="0" indent="0" algn="l" rtl="0">
@@ -1100,87 +1089,7 @@
             </a:pPr>
             <a:r>
               <a:rPr lang="en-US" i="0" dirty="0"/>
-              <a:t>A few common use cases are as follows:</a:t>
-            </a:r>
-          </a:p>
-          <a:p>
-            <a:pPr marL="228600" lvl="0" indent="-228600" algn="l" rtl="0">
-              <a:spcBef>
-                <a:spcPts val="0"/>
-              </a:spcBef>
-              <a:spcAft>
-                <a:spcPts val="0"/>
-              </a:spcAft>
-              <a:buFontTx/>
-              <a:buAutoNum type="arabicParenR"/>
-            </a:pPr>
-            <a:r>
-              <a:rPr lang="en-US" i="0" dirty="0"/>
-              <a:t>In Data Science, Machine Learning is often used to uncover relations in data. This is usually done by a Person via a Python notebook. The machine learning model is learned and then analyzed or used in some way within the notebook.</a:t>
-            </a:r>
-          </a:p>
-          <a:p>
-            <a:pPr marL="228600" lvl="0" indent="-228600" algn="l" rtl="0">
-              <a:spcBef>
-                <a:spcPts val="0"/>
-              </a:spcBef>
-              <a:spcAft>
-                <a:spcPts val="0"/>
-              </a:spcAft>
-              <a:buFontTx/>
-              <a:buAutoNum type="arabicParenR"/>
-            </a:pPr>
-            <a:r>
-              <a:rPr lang="en-US" i="0" dirty="0"/>
-              <a:t>Sometimes you also use machine learning as a function in a larger software engineering project. For example, you could learn a function that predicts how much the user prefers a certain item and use that function in scope of a web shop to order your results or fill a recommendation box. In such a project you often learn the machine learning model at design time and then use the learned model in your software system by loading it and using it to make predictions.</a:t>
-            </a:r>
-          </a:p>
-          <a:p>
-            <a:pPr marL="228600" lvl="0" indent="-228600" algn="l" rtl="0">
-              <a:spcBef>
-                <a:spcPts val="0"/>
-              </a:spcBef>
-              <a:spcAft>
-                <a:spcPts val="0"/>
-              </a:spcAft>
-              <a:buFontTx/>
-              <a:buAutoNum type="arabicParenR"/>
-            </a:pPr>
-            <a:r>
-              <a:rPr lang="en-US" i="0" dirty="0"/>
-              <a:t>Sometimes, the machine learning model is also of interest to others and you want to publish it to them for use in their software project. In this case you don’t use the model itself but publish a file containing the model. If this is your use case you may have to think about issues like versioning and a mechanism to name and publish different snapshots of weights.</a:t>
-            </a:r>
-          </a:p>
-          <a:p>
-            <a:pPr marL="228600" lvl="0" indent="-228600" algn="l" rtl="0">
-              <a:spcBef>
-                <a:spcPts val="0"/>
-              </a:spcBef>
-              <a:spcAft>
-                <a:spcPts val="0"/>
-              </a:spcAft>
-              <a:buFontTx/>
-              <a:buAutoNum type="arabicParenR"/>
-            </a:pPr>
-            <a:r>
-              <a:rPr lang="en-US" i="0" dirty="0"/>
-              <a:t>Finally, your machine learning model may be deployed in the web for others to use, either in the form of an API that programmers can make calls to or in form of a web interface that can be used to provide inputs. An example are recent generative models, like Stable Diffusion and </a:t>
-            </a:r>
-            <a:r>
-              <a:rPr lang="en-US" i="0" dirty="0" err="1"/>
-              <a:t>ChatGPT</a:t>
-            </a:r>
-            <a:r>
-              <a:rPr lang="en-US" i="0" dirty="0"/>
-              <a:t> which are made available via websites such as </a:t>
-            </a:r>
-            <a:r>
-              <a:rPr lang="en-US" i="0" dirty="0" err="1"/>
-              <a:t>huggingface</a:t>
-            </a:r>
-            <a:r>
-              <a:rPr lang="en-US" i="0" dirty="0"/>
-              <a:t>.</a:t>
+              <a:t>What purposes could you imagine for our Pokémon classification model?</a:t>
             </a:r>
           </a:p>
         </p:txBody>
@@ -1188,7 +1097,7 @@
     </p:spTree>
     <p:extLst>
       <p:ext uri="{BB962C8B-B14F-4D97-AF65-F5344CB8AC3E}">
-        <p14:creationId xmlns:p14="http://schemas.microsoft.com/office/powerpoint/2010/main" val="1675895782"/>
+        <p14:creationId xmlns:p14="http://schemas.microsoft.com/office/powerpoint/2010/main" val="4176764786"/>
       </p:ext>
     </p:extLst>
   </p:cSld>
@@ -1292,8 +1201,109 @@
               <a:buNone/>
             </a:pPr>
             <a:r>
-              <a:rPr lang="en-US" i="1" dirty="0"/>
-              <a:t>TODO (describe when demonstrator is finished)</a:t>
+              <a:rPr lang="en-US" i="0" dirty="0"/>
+              <a:t>On a high level of abstraction, machine learning is just a different way to define a function. Rather than writing the function with instructions you are learning the function from data. And just as there are different ways to use a function, there are different use cases for machine learning models. </a:t>
+            </a:r>
+          </a:p>
+          <a:p>
+            <a:pPr marL="0" lvl="0" indent="0" algn="l" rtl="0">
+              <a:spcBef>
+                <a:spcPts val="0"/>
+              </a:spcBef>
+              <a:spcAft>
+                <a:spcPts val="0"/>
+              </a:spcAft>
+              <a:buFontTx/>
+              <a:buNone/>
+            </a:pPr>
+            <a:endParaRPr lang="en-US" i="0" dirty="0"/>
+          </a:p>
+          <a:p>
+            <a:pPr marL="0" lvl="0" indent="0" algn="l" rtl="0">
+              <a:spcBef>
+                <a:spcPts val="0"/>
+              </a:spcBef>
+              <a:spcAft>
+                <a:spcPts val="0"/>
+              </a:spcAft>
+              <a:buFontTx/>
+              <a:buNone/>
+            </a:pPr>
+            <a:r>
+              <a:rPr lang="en-US" i="0" dirty="0"/>
+              <a:t>A few common use cases are as follows:</a:t>
+            </a:r>
+          </a:p>
+          <a:p>
+            <a:pPr marL="228600" lvl="0" indent="-228600" algn="l" rtl="0">
+              <a:spcBef>
+                <a:spcPts val="0"/>
+              </a:spcBef>
+              <a:spcAft>
+                <a:spcPts val="0"/>
+              </a:spcAft>
+              <a:buFontTx/>
+              <a:buAutoNum type="arabicParenR"/>
+            </a:pPr>
+            <a:r>
+              <a:rPr lang="en-US" i="0" dirty="0"/>
+              <a:t>In Data Science, Machine Learning is often used to uncover relations in data. This is usually done by a Person via a Python notebook. The machine learning model is learned and then analyzed or used in some way within the notebook.</a:t>
+            </a:r>
+          </a:p>
+          <a:p>
+            <a:pPr marL="228600" lvl="0" indent="-228600" algn="l" rtl="0">
+              <a:spcBef>
+                <a:spcPts val="0"/>
+              </a:spcBef>
+              <a:spcAft>
+                <a:spcPts val="0"/>
+              </a:spcAft>
+              <a:buFontTx/>
+              <a:buAutoNum type="arabicParenR"/>
+            </a:pPr>
+            <a:r>
+              <a:rPr lang="en-US" i="0" dirty="0"/>
+              <a:t>Sometimes you also use machine learning as a function in a larger software engineering project. For example, you could learn a function that predicts how much the user prefers a certain item and use that function in scope of a web shop to order your results or fill a recommendation box. In such a project you often learn the machine learning model at design time and then use the learned model in your software system by loading it and using it to make predictions.</a:t>
+            </a:r>
+          </a:p>
+          <a:p>
+            <a:pPr marL="228600" lvl="0" indent="-228600" algn="l" rtl="0">
+              <a:spcBef>
+                <a:spcPts val="0"/>
+              </a:spcBef>
+              <a:spcAft>
+                <a:spcPts val="0"/>
+              </a:spcAft>
+              <a:buFontTx/>
+              <a:buAutoNum type="arabicParenR"/>
+            </a:pPr>
+            <a:r>
+              <a:rPr lang="en-US" i="0" dirty="0"/>
+              <a:t>Sometimes, the machine learning model is also of interest to others and you want to publish it to them for use in their software project. In this case you don’t use the model itself but publish a file containing the model. If this is your use case you may have to think about issues like versioning and a mechanism to name and publish different snapshots of weights.</a:t>
+            </a:r>
+          </a:p>
+          <a:p>
+            <a:pPr marL="228600" lvl="0" indent="-228600" algn="l" rtl="0">
+              <a:spcBef>
+                <a:spcPts val="0"/>
+              </a:spcBef>
+              <a:spcAft>
+                <a:spcPts val="0"/>
+              </a:spcAft>
+              <a:buFontTx/>
+              <a:buAutoNum type="arabicParenR"/>
+            </a:pPr>
+            <a:r>
+              <a:rPr lang="en-US" i="0" dirty="0"/>
+              <a:t>Finally, your machine learning model may be deployed in the web for others to use, either in the form of an API that programmers can make calls to or in form of a web interface that can be used to provide inputs. An example are recent generative models, like Stable Diffusion and ChatGPT which are made available via websites such as </a:t>
+            </a:r>
+            <a:r>
+              <a:rPr lang="en-US" i="0" dirty="0" err="1"/>
+              <a:t>huggingface</a:t>
+            </a:r>
+            <a:r>
+              <a:rPr lang="en-US" i="0" dirty="0"/>
+              <a:t>.</a:t>
             </a:r>
           </a:p>
         </p:txBody>
@@ -2120,6 +2130,115 @@
 </file>
 
 <file path=ppt/notesSlides/notesSlide17.xml><?xml version="1.0" encoding="utf-8"?>
+<p:notes xmlns:a="http://schemas.openxmlformats.org/drawingml/2006/main" xmlns:r="http://schemas.openxmlformats.org/officeDocument/2006/relationships" xmlns:p="http://schemas.openxmlformats.org/presentationml/2006/main" showMasterSp="0" showMasterPhAnim="0">
+  <p:cSld>
+    <p:spTree>
+      <p:nvGrpSpPr>
+        <p:cNvPr id="1" name="Shape 92"/>
+        <p:cNvGrpSpPr/>
+        <p:nvPr/>
+      </p:nvGrpSpPr>
+      <p:grpSpPr>
+        <a:xfrm>
+          <a:off x="0" y="0"/>
+          <a:ext cx="0" cy="0"/>
+          <a:chOff x="0" y="0"/>
+          <a:chExt cx="0" cy="0"/>
+        </a:xfrm>
+      </p:grpSpPr>
+      <p:sp>
+        <p:nvSpPr>
+          <p:cNvPr id="93" name="Google Shape;93;g60fe2f7717_0_102:notes"/>
+          <p:cNvSpPr>
+            <a:spLocks noGrp="1" noRot="1" noChangeAspect="1"/>
+          </p:cNvSpPr>
+          <p:nvPr>
+            <p:ph type="sldImg" idx="2"/>
+          </p:nvPr>
+        </p:nvSpPr>
+        <p:spPr>
+          <a:xfrm>
+            <a:off x="381000" y="685800"/>
+            <a:ext cx="6096000" cy="3429000"/>
+          </a:xfrm>
+          <a:custGeom>
+            <a:avLst/>
+            <a:gdLst/>
+            <a:ahLst/>
+            <a:cxnLst/>
+            <a:rect l="l" t="t" r="r" b="b"/>
+            <a:pathLst>
+              <a:path w="120000" h="120000" extrusionOk="0">
+                <a:moveTo>
+                  <a:pt x="0" y="0"/>
+                </a:moveTo>
+                <a:lnTo>
+                  <a:pt x="120000" y="0"/>
+                </a:lnTo>
+                <a:lnTo>
+                  <a:pt x="120000" y="120000"/>
+                </a:lnTo>
+                <a:lnTo>
+                  <a:pt x="0" y="120000"/>
+                </a:lnTo>
+                <a:close/>
+              </a:path>
+            </a:pathLst>
+          </a:custGeom>
+        </p:spPr>
+      </p:sp>
+      <p:sp>
+        <p:nvSpPr>
+          <p:cNvPr id="94" name="Google Shape;94;g60fe2f7717_0_102:notes"/>
+          <p:cNvSpPr txBox="1">
+            <a:spLocks noGrp="1"/>
+          </p:cNvSpPr>
+          <p:nvPr>
+            <p:ph type="body" idx="1"/>
+          </p:nvPr>
+        </p:nvSpPr>
+        <p:spPr>
+          <a:xfrm>
+            <a:off x="685800" y="4343400"/>
+            <a:ext cx="5486400" cy="4114800"/>
+          </a:xfrm>
+          <a:prstGeom prst="rect">
+            <a:avLst/>
+          </a:prstGeom>
+        </p:spPr>
+        <p:txBody>
+          <a:bodyPr spcFirstLastPara="1" wrap="square" lIns="91425" tIns="91425" rIns="91425" bIns="91425" anchor="t" anchorCtr="0">
+            <a:noAutofit/>
+          </a:bodyPr>
+          <a:lstStyle/>
+          <a:p>
+            <a:pPr marL="0" lvl="0" indent="0" algn="l" rtl="0">
+              <a:spcBef>
+                <a:spcPts val="0"/>
+              </a:spcBef>
+              <a:spcAft>
+                <a:spcPts val="0"/>
+              </a:spcAft>
+              <a:buNone/>
+            </a:pPr>
+            <a:endParaRPr dirty="0"/>
+          </a:p>
+        </p:txBody>
+      </p:sp>
+    </p:spTree>
+    <p:extLst>
+      <p:ext uri="{BB962C8B-B14F-4D97-AF65-F5344CB8AC3E}">
+        <p14:creationId xmlns:p14="http://schemas.microsoft.com/office/powerpoint/2010/main" val="2305560645"/>
+      </p:ext>
+    </p:extLst>
+  </p:cSld>
+  <p:clrMapOvr>
+    <a:masterClrMapping/>
+  </p:clrMapOvr>
+</p:notes>
+</file>
+
+<file path=ppt/notesSlides/notesSlide18.xml><?xml version="1.0" encoding="utf-8"?>
 <p:notes xmlns:a="http://schemas.openxmlformats.org/drawingml/2006/main" xmlns:r="http://schemas.openxmlformats.org/officeDocument/2006/relationships" xmlns:p="http://schemas.openxmlformats.org/presentationml/2006/main" showMasterSp="0" showMasterPhAnim="0">
   <p:cSld>
     <p:spTree>
@@ -9046,7 +9165,26 @@
                 <a:latin typeface="Calibri" panose="020F0502020204030204" pitchFamily="34" charset="0"/>
                 <a:cs typeface="Calibri" panose="020F0502020204030204" pitchFamily="34" charset="0"/>
               </a:rPr>
-              <a:t>Using Machine Learning Models</a:t>
+              <a:t>What could we use our Pokémon classification</a:t>
+            </a:r>
+            <a:br>
+              <a:rPr lang="en-GB" sz="3200" dirty="0">
+                <a:solidFill>
+                  <a:schemeClr val="bg1"/>
+                </a:solidFill>
+                <a:latin typeface="Calibri" panose="020F0502020204030204" pitchFamily="34" charset="0"/>
+                <a:cs typeface="Calibri" panose="020F0502020204030204" pitchFamily="34" charset="0"/>
+              </a:rPr>
+            </a:br>
+            <a:r>
+              <a:rPr lang="en-GB" sz="3200" dirty="0">
+                <a:solidFill>
+                  <a:schemeClr val="bg1"/>
+                </a:solidFill>
+                <a:latin typeface="Calibri" panose="020F0502020204030204" pitchFamily="34" charset="0"/>
+                <a:cs typeface="Calibri" panose="020F0502020204030204" pitchFamily="34" charset="0"/>
+              </a:rPr>
+              <a:t>model for?</a:t>
             </a:r>
             <a:endParaRPr sz="3200" dirty="0">
               <a:solidFill>
@@ -9058,159 +9196,10 @@
           </a:p>
         </p:txBody>
       </p:sp>
-      <p:sp>
-        <p:nvSpPr>
-          <p:cNvPr id="4" name="Google Shape;97;p20">
-            <a:extLst>
-              <a:ext uri="{FF2B5EF4-FFF2-40B4-BE49-F238E27FC236}">
-                <a16:creationId xmlns:a16="http://schemas.microsoft.com/office/drawing/2014/main" id="{4A80821F-95CB-81F7-4EB5-91C848CD2F42}"/>
-              </a:ext>
-            </a:extLst>
-          </p:cNvPr>
-          <p:cNvSpPr txBox="1">
-            <a:spLocks noGrp="1"/>
-          </p:cNvSpPr>
-          <p:nvPr>
-            <p:ph type="body" idx="1"/>
-          </p:nvPr>
-        </p:nvSpPr>
-        <p:spPr>
-          <a:xfrm>
-            <a:off x="311700" y="1191490"/>
-            <a:ext cx="8520600" cy="4028209"/>
-          </a:xfrm>
-          <a:prstGeom prst="rect">
-            <a:avLst/>
-          </a:prstGeom>
-        </p:spPr>
-        <p:txBody>
-          <a:bodyPr spcFirstLastPara="1" wrap="square" lIns="91425" tIns="91425" rIns="91425" bIns="91425" anchor="t" anchorCtr="0">
-            <a:noAutofit/>
-          </a:bodyPr>
-          <a:lstStyle/>
-          <a:p>
-            <a:pPr marL="114300" lvl="0" indent="0">
-              <a:buNone/>
-            </a:pPr>
-            <a:r>
-              <a:rPr lang="en-US" sz="2200" dirty="0">
-                <a:solidFill>
-                  <a:schemeClr val="bg1"/>
-                </a:solidFill>
-              </a:rPr>
-              <a:t>What can you use Machine Learning models for?</a:t>
-            </a:r>
-          </a:p>
-          <a:p>
-            <a:pPr>
-              <a:buClr>
-                <a:schemeClr val="bg1"/>
-              </a:buClr>
-            </a:pPr>
-            <a:r>
-              <a:rPr lang="en-US" sz="2000" dirty="0">
-                <a:solidFill>
-                  <a:schemeClr val="bg1"/>
-                </a:solidFill>
-              </a:rPr>
-              <a:t>Data Science</a:t>
-            </a:r>
-          </a:p>
-          <a:p>
-            <a:pPr>
-              <a:buClr>
-                <a:schemeClr val="bg1"/>
-              </a:buClr>
-            </a:pPr>
-            <a:r>
-              <a:rPr lang="en-US" sz="2000" dirty="0">
-                <a:solidFill>
-                  <a:schemeClr val="bg1"/>
-                </a:solidFill>
-              </a:rPr>
-              <a:t>Function in your Project</a:t>
-            </a:r>
-          </a:p>
-          <a:p>
-            <a:pPr>
-              <a:buClr>
-                <a:schemeClr val="bg1"/>
-              </a:buClr>
-            </a:pPr>
-            <a:r>
-              <a:rPr lang="en-US" sz="2000" dirty="0">
-                <a:solidFill>
-                  <a:schemeClr val="bg1"/>
-                </a:solidFill>
-              </a:rPr>
-              <a:t>Publish them for others to use.</a:t>
-            </a:r>
-          </a:p>
-          <a:p>
-            <a:pPr>
-              <a:buClr>
-                <a:schemeClr val="bg1"/>
-              </a:buClr>
-            </a:pPr>
-            <a:r>
-              <a:rPr lang="en-US" sz="2000" dirty="0">
-                <a:solidFill>
-                  <a:schemeClr val="bg1"/>
-                </a:solidFill>
-              </a:rPr>
-              <a:t>API / Web Interface</a:t>
-            </a:r>
-          </a:p>
-          <a:p>
-            <a:pPr marL="114300" lvl="0" indent="0">
-              <a:buNone/>
-            </a:pPr>
-            <a:endParaRPr lang="en-US" sz="2200" dirty="0">
-              <a:solidFill>
-                <a:schemeClr val="bg1"/>
-              </a:solidFill>
-            </a:endParaRPr>
-          </a:p>
-          <a:p>
-            <a:pPr marL="114300" lvl="0" indent="0">
-              <a:buNone/>
-            </a:pPr>
-            <a:r>
-              <a:rPr lang="en-US" sz="2200" dirty="0">
-                <a:solidFill>
-                  <a:schemeClr val="bg1"/>
-                </a:solidFill>
-              </a:rPr>
-              <a:t>How do these applications differ?</a:t>
-            </a:r>
-          </a:p>
-          <a:p>
-            <a:pPr marL="114300" indent="0">
-              <a:buNone/>
-            </a:pPr>
-            <a:endParaRPr lang="en-US" sz="2000" dirty="0">
-              <a:solidFill>
-                <a:schemeClr val="bg1"/>
-              </a:solidFill>
-            </a:endParaRPr>
-          </a:p>
-          <a:p>
-            <a:pPr lvl="0">
-              <a:buFontTx/>
-              <a:buChar char="-"/>
-            </a:pPr>
-            <a:endParaRPr lang="en-US" sz="2200" dirty="0">
-              <a:solidFill>
-                <a:schemeClr val="bg1"/>
-              </a:solidFill>
-            </a:endParaRPr>
-          </a:p>
-        </p:txBody>
-      </p:sp>
     </p:spTree>
     <p:extLst>
       <p:ext uri="{BB962C8B-B14F-4D97-AF65-F5344CB8AC3E}">
-        <p14:creationId xmlns:p14="http://schemas.microsoft.com/office/powerpoint/2010/main" val="2636653985"/>
+        <p14:creationId xmlns:p14="http://schemas.microsoft.com/office/powerpoint/2010/main" val="1093860277"/>
       </p:ext>
     </p:extLst>
   </p:cSld>
@@ -9225,258 +9214,6 @@
       <p:transition/>
     </mc:Fallback>
   </mc:AlternateContent>
-  <p:timing>
-    <p:tnLst>
-      <p:par>
-        <p:cTn id="1" dur="indefinite" restart="never" nodeType="tmRoot">
-          <p:childTnLst>
-            <p:seq concurrent="1" nextAc="seek">
-              <p:cTn id="2" dur="indefinite" nodeType="mainSeq">
-                <p:childTnLst>
-                  <p:par>
-                    <p:cTn id="3" fill="hold">
-                      <p:stCondLst>
-                        <p:cond delay="indefinite"/>
-                      </p:stCondLst>
-                      <p:childTnLst>
-                        <p:par>
-                          <p:cTn id="4" fill="hold">
-                            <p:stCondLst>
-                              <p:cond delay="0"/>
-                            </p:stCondLst>
-                            <p:childTnLst>
-                              <p:par>
-                                <p:cTn id="5" presetID="1" presetClass="entr" presetSubtype="0" fill="hold" nodeType="clickEffect">
-                                  <p:stCondLst>
-                                    <p:cond delay="0"/>
-                                  </p:stCondLst>
-                                  <p:childTnLst>
-                                    <p:set>
-                                      <p:cBhvr>
-                                        <p:cTn id="6" dur="1" fill="hold">
-                                          <p:stCondLst>
-                                            <p:cond delay="0"/>
-                                          </p:stCondLst>
-                                        </p:cTn>
-                                        <p:tgtEl>
-                                          <p:spTgt spid="4">
-                                            <p:txEl>
-                                              <p:pRg st="0" end="0"/>
-                                            </p:txEl>
-                                          </p:spTgt>
-                                        </p:tgtEl>
-                                        <p:attrNameLst>
-                                          <p:attrName>style.visibility</p:attrName>
-                                        </p:attrNameLst>
-                                      </p:cBhvr>
-                                      <p:to>
-                                        <p:strVal val="visible"/>
-                                      </p:to>
-                                    </p:set>
-                                  </p:childTnLst>
-                                </p:cTn>
-                              </p:par>
-                              <p:par>
-                                <p:cTn id="7" presetID="1" presetClass="entr" presetSubtype="0" fill="hold" nodeType="withEffect">
-                                  <p:stCondLst>
-                                    <p:cond delay="0"/>
-                                  </p:stCondLst>
-                                  <p:childTnLst>
-                                    <p:set>
-                                      <p:cBhvr>
-                                        <p:cTn id="8" dur="1" fill="hold">
-                                          <p:stCondLst>
-                                            <p:cond delay="0"/>
-                                          </p:stCondLst>
-                                        </p:cTn>
-                                        <p:tgtEl>
-                                          <p:spTgt spid="4">
-                                            <p:txEl>
-                                              <p:pRg st="1" end="1"/>
-                                            </p:txEl>
-                                          </p:spTgt>
-                                        </p:tgtEl>
-                                        <p:attrNameLst>
-                                          <p:attrName>style.visibility</p:attrName>
-                                        </p:attrNameLst>
-                                      </p:cBhvr>
-                                      <p:to>
-                                        <p:strVal val="visible"/>
-                                      </p:to>
-                                    </p:set>
-                                  </p:childTnLst>
-                                </p:cTn>
-                              </p:par>
-                              <p:par>
-                                <p:cTn id="9" presetID="1" presetClass="entr" presetSubtype="0" fill="hold" nodeType="withEffect">
-                                  <p:stCondLst>
-                                    <p:cond delay="0"/>
-                                  </p:stCondLst>
-                                  <p:childTnLst>
-                                    <p:set>
-                                      <p:cBhvr>
-                                        <p:cTn id="10" dur="1" fill="hold">
-                                          <p:stCondLst>
-                                            <p:cond delay="0"/>
-                                          </p:stCondLst>
-                                        </p:cTn>
-                                        <p:tgtEl>
-                                          <p:spTgt spid="4">
-                                            <p:txEl>
-                                              <p:pRg st="2" end="2"/>
-                                            </p:txEl>
-                                          </p:spTgt>
-                                        </p:tgtEl>
-                                        <p:attrNameLst>
-                                          <p:attrName>style.visibility</p:attrName>
-                                        </p:attrNameLst>
-                                      </p:cBhvr>
-                                      <p:to>
-                                        <p:strVal val="visible"/>
-                                      </p:to>
-                                    </p:set>
-                                  </p:childTnLst>
-                                </p:cTn>
-                              </p:par>
-                              <p:par>
-                                <p:cTn id="11" presetID="1" presetClass="entr" presetSubtype="0" fill="hold" nodeType="withEffect">
-                                  <p:stCondLst>
-                                    <p:cond delay="0"/>
-                                  </p:stCondLst>
-                                  <p:childTnLst>
-                                    <p:set>
-                                      <p:cBhvr>
-                                        <p:cTn id="12" dur="1" fill="hold">
-                                          <p:stCondLst>
-                                            <p:cond delay="0"/>
-                                          </p:stCondLst>
-                                        </p:cTn>
-                                        <p:tgtEl>
-                                          <p:spTgt spid="4">
-                                            <p:txEl>
-                                              <p:pRg st="3" end="3"/>
-                                            </p:txEl>
-                                          </p:spTgt>
-                                        </p:tgtEl>
-                                        <p:attrNameLst>
-                                          <p:attrName>style.visibility</p:attrName>
-                                        </p:attrNameLst>
-                                      </p:cBhvr>
-                                      <p:to>
-                                        <p:strVal val="visible"/>
-                                      </p:to>
-                                    </p:set>
-                                  </p:childTnLst>
-                                </p:cTn>
-                              </p:par>
-                              <p:par>
-                                <p:cTn id="13" presetID="1" presetClass="entr" presetSubtype="0" fill="hold" nodeType="withEffect">
-                                  <p:stCondLst>
-                                    <p:cond delay="0"/>
-                                  </p:stCondLst>
-                                  <p:childTnLst>
-                                    <p:set>
-                                      <p:cBhvr>
-                                        <p:cTn id="14" dur="1" fill="hold">
-                                          <p:stCondLst>
-                                            <p:cond delay="0"/>
-                                          </p:stCondLst>
-                                        </p:cTn>
-                                        <p:tgtEl>
-                                          <p:spTgt spid="4">
-                                            <p:txEl>
-                                              <p:pRg st="4" end="4"/>
-                                            </p:txEl>
-                                          </p:spTgt>
-                                        </p:tgtEl>
-                                        <p:attrNameLst>
-                                          <p:attrName>style.visibility</p:attrName>
-                                        </p:attrNameLst>
-                                      </p:cBhvr>
-                                      <p:to>
-                                        <p:strVal val="visible"/>
-                                      </p:to>
-                                    </p:set>
-                                  </p:childTnLst>
-                                </p:cTn>
-                              </p:par>
-                            </p:childTnLst>
-                          </p:cTn>
-                        </p:par>
-                      </p:childTnLst>
-                    </p:cTn>
-                  </p:par>
-                  <p:par>
-                    <p:cTn id="15" fill="hold">
-                      <p:stCondLst>
-                        <p:cond delay="indefinite"/>
-                      </p:stCondLst>
-                      <p:childTnLst>
-                        <p:par>
-                          <p:cTn id="16" fill="hold">
-                            <p:stCondLst>
-                              <p:cond delay="0"/>
-                            </p:stCondLst>
-                            <p:childTnLst>
-                              <p:par>
-                                <p:cTn id="17" presetID="1" presetClass="entr" presetSubtype="0" fill="hold" nodeType="clickEffect">
-                                  <p:stCondLst>
-                                    <p:cond delay="0"/>
-                                  </p:stCondLst>
-                                  <p:childTnLst>
-                                    <p:set>
-                                      <p:cBhvr>
-                                        <p:cTn id="18" dur="1" fill="hold">
-                                          <p:stCondLst>
-                                            <p:cond delay="0"/>
-                                          </p:stCondLst>
-                                        </p:cTn>
-                                        <p:tgtEl>
-                                          <p:spTgt spid="4">
-                                            <p:txEl>
-                                              <p:pRg st="6" end="6"/>
-                                            </p:txEl>
-                                          </p:spTgt>
-                                        </p:tgtEl>
-                                        <p:attrNameLst>
-                                          <p:attrName>style.visibility</p:attrName>
-                                        </p:attrNameLst>
-                                      </p:cBhvr>
-                                      <p:to>
-                                        <p:strVal val="visible"/>
-                                      </p:to>
-                                    </p:set>
-                                  </p:childTnLst>
-                                </p:cTn>
-                              </p:par>
-                            </p:childTnLst>
-                          </p:cTn>
-                        </p:par>
-                      </p:childTnLst>
-                    </p:cTn>
-                  </p:par>
-                </p:childTnLst>
-              </p:cTn>
-              <p:prevCondLst>
-                <p:cond evt="onPrev" delay="0">
-                  <p:tgtEl>
-                    <p:sldTgt/>
-                  </p:tgtEl>
-                </p:cond>
-              </p:prevCondLst>
-              <p:nextCondLst>
-                <p:cond evt="onNext" delay="0">
-                  <p:tgtEl>
-                    <p:sldTgt/>
-                  </p:tgtEl>
-                </p:cond>
-              </p:nextCondLst>
-            </p:seq>
-          </p:childTnLst>
-        </p:cTn>
-      </p:par>
-    </p:tnLst>
-  </p:timing>
 </p:sld>
 </file>
 
@@ -9822,15 +9559,7 @@
           </a:bodyPr>
           <a:lstStyle/>
           <a:p>
-            <a:pPr marL="0" lvl="0" indent="0" algn="l" rtl="0">
-              <a:spcBef>
-                <a:spcPts val="0"/>
-              </a:spcBef>
-              <a:spcAft>
-                <a:spcPts val="0"/>
-              </a:spcAft>
-              <a:buNone/>
-            </a:pPr>
+            <a:pPr lvl="0"/>
             <a:r>
               <a:rPr lang="en-GB" sz="3200" dirty="0">
                 <a:solidFill>
@@ -9839,7 +9568,7 @@
                 <a:latin typeface="Calibri" panose="020F0502020204030204" pitchFamily="34" charset="0"/>
                 <a:cs typeface="Calibri" panose="020F0502020204030204" pitchFamily="34" charset="0"/>
               </a:rPr>
-              <a:t>Pokémon Classification</a:t>
+              <a:t>Using Machine Learning Models</a:t>
             </a:r>
             <a:endParaRPr sz="3200" dirty="0">
               <a:solidFill>
@@ -9853,10 +9582,10 @@
       </p:sp>
       <p:sp>
         <p:nvSpPr>
-          <p:cNvPr id="4" name="Google Shape;97;p20">
+          <p:cNvPr id="9" name="Google Shape;97;p20">
             <a:extLst>
               <a:ext uri="{FF2B5EF4-FFF2-40B4-BE49-F238E27FC236}">
-                <a16:creationId xmlns:a16="http://schemas.microsoft.com/office/drawing/2014/main" id="{4A80821F-95CB-81F7-4EB5-91C848CD2F42}"/>
+                <a16:creationId xmlns:a16="http://schemas.microsoft.com/office/drawing/2014/main" id="{9FADDEB8-B7D0-D1CA-7D99-77D34237F299}"/>
               </a:ext>
             </a:extLst>
           </p:cNvPr>
@@ -9869,7 +9598,7 @@
         </p:nvSpPr>
         <p:spPr>
           <a:xfrm>
-            <a:off x="311700" y="1164074"/>
+            <a:off x="311700" y="1191490"/>
             <a:ext cx="8520600" cy="4028209"/>
           </a:xfrm>
           <a:prstGeom prst="rect">
@@ -9891,7 +9620,7 @@
                   <a:schemeClr val="bg1"/>
                 </a:solidFill>
               </a:rPr>
-              <a:t>Purpose:</a:t>
+              <a:t>What can you use Machine Learning models for?</a:t>
             </a:r>
           </a:p>
           <a:p>
@@ -9906,23 +9635,22 @@
                   <a:schemeClr val="bg1"/>
                 </a:solidFill>
               </a:rPr>
-              <a:t>Web interface for </a:t>
+              <a:t>Data Science</a:t>
             </a:r>
-            <a:r>
-              <a:rPr lang="en-US" sz="2000" dirty="0" err="1">
-                <a:solidFill>
-                  <a:schemeClr val="bg1"/>
-                </a:solidFill>
-              </a:rPr>
-              <a:t>Pokemon</a:t>
-            </a:r>
+          </a:p>
+          <a:p>
+            <a:pPr>
+              <a:buClr>
+                <a:schemeClr val="bg1"/>
+              </a:buClr>
+            </a:pPr>
             <a:r>
               <a:rPr lang="en-US" sz="2000" dirty="0">
                 <a:solidFill>
                   <a:schemeClr val="bg1"/>
                 </a:solidFill>
               </a:rPr>
-              <a:t> prediction</a:t>
+              <a:t>Function in your Project</a:t>
             </a:r>
           </a:p>
           <a:p>
@@ -9937,27 +9665,26 @@
                   <a:schemeClr val="bg1"/>
                 </a:solidFill>
               </a:rPr>
-              <a:t>API for uploading models</a:t>
+              <a:t>Publish them for others to use.</a:t>
             </a:r>
           </a:p>
           <a:p>
-            <a:pPr marL="114300" indent="0">
+            <a:pPr>
               <a:buClr>
                 <a:schemeClr val="bg1"/>
               </a:buClr>
-              <a:buNone/>
-            </a:pPr>
-            <a:endParaRPr lang="en-US" sz="1000" dirty="0">
-              <a:solidFill>
-                <a:schemeClr val="bg1"/>
-              </a:solidFill>
-            </a:endParaRPr>
-          </a:p>
-          <a:p>
-            <a:pPr marL="114300" indent="0">
-              <a:buClr>
-                <a:schemeClr val="bg1"/>
-              </a:buClr>
+            </a:pPr>
+            <a:r>
+              <a:rPr lang="en-US" sz="2000" dirty="0">
+                <a:solidFill>
+                  <a:schemeClr val="bg1"/>
+                </a:solidFill>
+              </a:rPr>
+              <a:t>API / Web Interface</a:t>
+            </a:r>
+          </a:p>
+          <a:p>
+            <a:pPr marL="114300" lvl="0" indent="0">
               <a:buNone/>
             </a:pPr>
             <a:endParaRPr lang="en-US" sz="2200" dirty="0">
@@ -9967,10 +9694,7 @@
             </a:endParaRPr>
           </a:p>
           <a:p>
-            <a:pPr marL="114300" indent="0">
-              <a:buClr>
-                <a:schemeClr val="bg1"/>
-              </a:buClr>
+            <a:pPr marL="114300" lvl="0" indent="0">
               <a:buNone/>
             </a:pPr>
             <a:r>
@@ -9979,13 +9703,8 @@
                   <a:schemeClr val="bg1"/>
                 </a:solidFill>
               </a:rPr>
-              <a:t>Introduction by Nino</a:t>
+              <a:t>How do these applications differ?</a:t>
             </a:r>
-            <a:endParaRPr lang="en-US" sz="2000" dirty="0">
-              <a:solidFill>
-                <a:schemeClr val="bg1"/>
-              </a:solidFill>
-            </a:endParaRPr>
           </a:p>
           <a:p>
             <a:pPr marL="114300" indent="0">
@@ -10062,71 +9781,9 @@
                                           </p:stCondLst>
                                         </p:cTn>
                                         <p:tgtEl>
-                                          <p:spTgt spid="4">
+                                          <p:spTgt spid="9">
                                             <p:txEl>
                                               <p:pRg st="0" end="0"/>
-                                            </p:txEl>
-                                          </p:spTgt>
-                                        </p:tgtEl>
-                                        <p:attrNameLst>
-                                          <p:attrName>style.visibility</p:attrName>
-                                        </p:attrNameLst>
-                                      </p:cBhvr>
-                                      <p:to>
-                                        <p:strVal val="visible"/>
-                                      </p:to>
-                                    </p:set>
-                                  </p:childTnLst>
-                                </p:cTn>
-                              </p:par>
-                              <p:par>
-                                <p:cTn id="7" presetID="1" presetClass="entr" presetSubtype="0" fill="hold" nodeType="withEffect">
-                                  <p:stCondLst>
-                                    <p:cond delay="0"/>
-                                  </p:stCondLst>
-                                  <p:childTnLst>
-                                    <p:set>
-                                      <p:cBhvr>
-                                        <p:cTn id="8" dur="1" fill="hold">
-                                          <p:stCondLst>
-                                            <p:cond delay="0"/>
-                                          </p:stCondLst>
-                                        </p:cTn>
-                                        <p:tgtEl>
-                                          <p:spTgt spid="4">
-                                            <p:txEl>
-                                              <p:pRg st="1" end="1"/>
-                                            </p:txEl>
-                                          </p:spTgt>
-                                        </p:tgtEl>
-                                        <p:attrNameLst>
-                                          <p:attrName>style.visibility</p:attrName>
-                                        </p:attrNameLst>
-                                      </p:cBhvr>
-                                      <p:to>
-                                        <p:strVal val="visible"/>
-                                      </p:to>
-                                    </p:set>
-                                  </p:childTnLst>
-                                </p:cTn>
-                              </p:par>
-                              <p:par>
-                                <p:cTn id="9" presetID="1" presetClass="entr" presetSubtype="0" fill="hold" nodeType="withEffect">
-                                  <p:stCondLst>
-                                    <p:cond delay="0"/>
-                                  </p:stCondLst>
-                                  <p:childTnLst>
-                                    <p:set>
-                                      <p:cBhvr>
-                                        <p:cTn id="10" dur="1" fill="hold">
-                                          <p:stCondLst>
-                                            <p:cond delay="0"/>
-                                          </p:stCondLst>
-                                        </p:cTn>
-                                        <p:tgtEl>
-                                          <p:spTgt spid="4">
-                                            <p:txEl>
-                                              <p:pRg st="2" end="2"/>
                                             </p:txEl>
                                           </p:spTgt>
                                         </p:tgtEl>
@@ -10148,19 +9805,81 @@
                     </p:cTn>
                   </p:par>
                   <p:par>
-                    <p:cTn id="11" fill="hold">
+                    <p:cTn id="7" fill="hold">
                       <p:stCondLst>
                         <p:cond delay="indefinite"/>
                       </p:stCondLst>
                       <p:childTnLst>
                         <p:par>
-                          <p:cTn id="12" fill="hold">
+                          <p:cTn id="8" fill="hold">
                             <p:stCondLst>
                               <p:cond delay="0"/>
                             </p:stCondLst>
                             <p:childTnLst>
                               <p:par>
-                                <p:cTn id="13" presetID="1" presetClass="entr" presetSubtype="0" fill="hold" nodeType="clickEffect">
+                                <p:cTn id="9" presetID="1" presetClass="entr" presetSubtype="0" fill="hold" nodeType="clickEffect">
+                                  <p:stCondLst>
+                                    <p:cond delay="0"/>
+                                  </p:stCondLst>
+                                  <p:childTnLst>
+                                    <p:set>
+                                      <p:cBhvr>
+                                        <p:cTn id="10" dur="1" fill="hold">
+                                          <p:stCondLst>
+                                            <p:cond delay="0"/>
+                                          </p:stCondLst>
+                                        </p:cTn>
+                                        <p:tgtEl>
+                                          <p:spTgt spid="9">
+                                            <p:txEl>
+                                              <p:pRg st="1" end="1"/>
+                                            </p:txEl>
+                                          </p:spTgt>
+                                        </p:tgtEl>
+                                        <p:attrNameLst>
+                                          <p:attrName>style.visibility</p:attrName>
+                                        </p:attrNameLst>
+                                      </p:cBhvr>
+                                      <p:to>
+                                        <p:strVal val="visible"/>
+                                      </p:to>
+                                    </p:set>
+                                  </p:childTnLst>
+                                </p:cTn>
+                              </p:par>
+                              <p:par>
+                                <p:cTn id="11" presetID="1" presetClass="entr" presetSubtype="0" fill="hold" nodeType="withEffect">
+                                  <p:stCondLst>
+                                    <p:cond delay="0"/>
+                                  </p:stCondLst>
+                                  <p:childTnLst>
+                                    <p:set>
+                                      <p:cBhvr>
+                                        <p:cTn id="12" dur="1" fill="hold">
+                                          <p:stCondLst>
+                                            <p:cond delay="0"/>
+                                          </p:stCondLst>
+                                        </p:cTn>
+                                        <p:tgtEl>
+                                          <p:spTgt spid="9">
+                                            <p:txEl>
+                                              <p:pRg st="2" end="2"/>
+                                            </p:txEl>
+                                          </p:spTgt>
+                                        </p:tgtEl>
+                                        <p:attrNameLst>
+                                          <p:attrName>style.visibility</p:attrName>
+                                        </p:attrNameLst>
+                                      </p:cBhvr>
+                                      <p:to>
+                                        <p:strVal val="visible"/>
+                                      </p:to>
+                                    </p:set>
+                                  </p:childTnLst>
+                                </p:cTn>
+                              </p:par>
+                              <p:par>
+                                <p:cTn id="13" presetID="1" presetClass="entr" presetSubtype="0" fill="hold" nodeType="withEffect">
                                   <p:stCondLst>
                                     <p:cond delay="0"/>
                                   </p:stCondLst>
@@ -10173,9 +9892,40 @@
                                           </p:stCondLst>
                                         </p:cTn>
                                         <p:tgtEl>
-                                          <p:spTgt spid="4">
+                                          <p:spTgt spid="9">
                                             <p:txEl>
-                                              <p:pRg st="5" end="5"/>
+                                              <p:pRg st="3" end="3"/>
+                                            </p:txEl>
+                                          </p:spTgt>
+                                        </p:tgtEl>
+                                        <p:attrNameLst>
+                                          <p:attrName>style.visibility</p:attrName>
+                                        </p:attrNameLst>
+                                      </p:cBhvr>
+                                      <p:to>
+                                        <p:strVal val="visible"/>
+                                      </p:to>
+                                    </p:set>
+                                  </p:childTnLst>
+                                </p:cTn>
+                              </p:par>
+                              <p:par>
+                                <p:cTn id="15" presetID="1" presetClass="entr" presetSubtype="0" fill="hold" nodeType="withEffect">
+                                  <p:stCondLst>
+                                    <p:cond delay="0"/>
+                                  </p:stCondLst>
+                                  <p:childTnLst>
+                                    <p:set>
+                                      <p:cBhvr>
+                                        <p:cTn id="16" dur="1" fill="hold">
+                                          <p:stCondLst>
+                                            <p:cond delay="0"/>
+                                          </p:stCondLst>
+                                        </p:cTn>
+                                        <p:tgtEl>
+                                          <p:spTgt spid="9">
+                                            <p:txEl>
+                                              <p:pRg st="4" end="4"/>
                                             </p:txEl>
                                           </p:spTgt>
                                         </p:tgtEl>
@@ -10197,50 +9947,19 @@
                     </p:cTn>
                   </p:par>
                   <p:par>
-                    <p:cTn id="15" fill="hold">
+                    <p:cTn id="17" fill="hold">
                       <p:stCondLst>
                         <p:cond delay="indefinite"/>
                       </p:stCondLst>
                       <p:childTnLst>
                         <p:par>
-                          <p:cTn id="16" fill="hold">
+                          <p:cTn id="18" fill="hold">
                             <p:stCondLst>
                               <p:cond delay="0"/>
                             </p:stCondLst>
                             <p:childTnLst>
                               <p:par>
-                                <p:cTn id="17" presetID="1" presetClass="exit" presetSubtype="0" fill="hold" nodeType="clickEffect">
-                                  <p:stCondLst>
-                                    <p:cond delay="0"/>
-                                  </p:stCondLst>
-                                  <p:childTnLst>
-                                    <p:set>
-                                      <p:cBhvr>
-                                        <p:cTn id="18" dur="1" fill="hold">
-                                          <p:stCondLst>
-                                            <p:cond delay="0"/>
-                                          </p:stCondLst>
-                                        </p:cTn>
-                                        <p:tgtEl>
-                                          <p:spTgt spid="4">
-                                            <p:txEl>
-                                              <p:pRg st="0" end="0"/>
-                                            </p:txEl>
-                                          </p:spTgt>
-                                        </p:tgtEl>
-                                        <p:attrNameLst>
-                                          <p:attrName>style.visibility</p:attrName>
-                                        </p:attrNameLst>
-                                      </p:cBhvr>
-                                      <p:to>
-                                        <p:strVal val="hidden"/>
-                                      </p:to>
-                                    </p:set>
-                                  </p:childTnLst>
-                                </p:cTn>
-                              </p:par>
-                              <p:par>
-                                <p:cTn id="19" presetID="1" presetClass="exit" presetSubtype="0" fill="hold" nodeType="withEffect">
+                                <p:cTn id="19" presetID="1" presetClass="entr" presetSubtype="0" fill="hold" nodeType="clickEffect">
                                   <p:stCondLst>
                                     <p:cond delay="0"/>
                                   </p:stCondLst>
@@ -10253,9 +9972,9 @@
                                           </p:stCondLst>
                                         </p:cTn>
                                         <p:tgtEl>
-                                          <p:spTgt spid="4">
+                                          <p:spTgt spid="9">
                                             <p:txEl>
-                                              <p:pRg st="1" end="1"/>
+                                              <p:pRg st="6" end="6"/>
                                             </p:txEl>
                                           </p:spTgt>
                                         </p:tgtEl>
@@ -10264,14 +9983,14 @@
                                         </p:attrNameLst>
                                       </p:cBhvr>
                                       <p:to>
-                                        <p:strVal val="hidden"/>
+                                        <p:strVal val="visible"/>
                                       </p:to>
                                     </p:set>
                                   </p:childTnLst>
                                 </p:cTn>
                               </p:par>
                               <p:par>
-                                <p:cTn id="21" presetID="1" presetClass="exit" presetSubtype="0" fill="hold" nodeType="withEffect">
+                                <p:cTn id="21" presetID="1" presetClass="exit" presetSubtype="0" fill="hold" grpId="0" nodeType="withEffect">
                                   <p:stCondLst>
                                     <p:cond delay="0"/>
                                   </p:stCondLst>
@@ -10279,68 +9998,6 @@
                                     <p:set>
                                       <p:cBhvr>
                                         <p:cTn id="22" dur="1" fill="hold">
-                                          <p:stCondLst>
-                                            <p:cond delay="0"/>
-                                          </p:stCondLst>
-                                        </p:cTn>
-                                        <p:tgtEl>
-                                          <p:spTgt spid="4">
-                                            <p:txEl>
-                                              <p:pRg st="2" end="2"/>
-                                            </p:txEl>
-                                          </p:spTgt>
-                                        </p:tgtEl>
-                                        <p:attrNameLst>
-                                          <p:attrName>style.visibility</p:attrName>
-                                        </p:attrNameLst>
-                                      </p:cBhvr>
-                                      <p:to>
-                                        <p:strVal val="hidden"/>
-                                      </p:to>
-                                    </p:set>
-                                  </p:childTnLst>
-                                </p:cTn>
-                              </p:par>
-                              <p:par>
-                                <p:cTn id="23" presetID="1" presetClass="exit" presetSubtype="0" fill="hold" nodeType="withEffect">
-                                  <p:stCondLst>
-                                    <p:cond delay="0"/>
-                                  </p:stCondLst>
-                                  <p:childTnLst>
-                                    <p:set>
-                                      <p:cBhvr>
-                                        <p:cTn id="24" dur="1" fill="hold">
-                                          <p:stCondLst>
-                                            <p:cond delay="0"/>
-                                          </p:stCondLst>
-                                        </p:cTn>
-                                        <p:tgtEl>
-                                          <p:spTgt spid="4">
-                                            <p:txEl>
-                                              <p:pRg st="5" end="5"/>
-                                            </p:txEl>
-                                          </p:spTgt>
-                                        </p:tgtEl>
-                                        <p:attrNameLst>
-                                          <p:attrName>style.visibility</p:attrName>
-                                        </p:attrNameLst>
-                                      </p:cBhvr>
-                                      <p:to>
-                                        <p:strVal val="hidden"/>
-                                      </p:to>
-                                    </p:set>
-                                  </p:childTnLst>
-                                </p:cTn>
-                              </p:par>
-                              <p:par>
-                                <p:cTn id="25" presetID="1" presetClass="exit" presetSubtype="0" fill="hold" grpId="0" nodeType="withEffect">
-                                  <p:stCondLst>
-                                    <p:cond delay="0"/>
-                                  </p:stCondLst>
-                                  <p:childTnLst>
-                                    <p:set>
-                                      <p:cBhvr>
-                                        <p:cTn id="26" dur="1" fill="hold">
                                           <p:stCondLst>
                                             <p:cond delay="0"/>
                                           </p:stCondLst>
@@ -10360,14 +10017,14 @@
                                 </p:cTn>
                               </p:par>
                               <p:par>
-                                <p:cTn id="27" presetID="42" presetClass="path" presetSubtype="0" accel="50000" decel="50000" fill="hold" nodeType="withEffect">
+                                <p:cTn id="23" presetID="42" presetClass="path" presetSubtype="0" accel="50000" decel="50000" fill="hold" nodeType="withEffect">
                                   <p:stCondLst>
                                     <p:cond delay="0"/>
                                   </p:stCondLst>
                                   <p:childTnLst>
                                     <p:animMotion origin="layout" path="M -1.94444E-6 0 L -0.5217 -0.00031 " pathEditMode="relative" rAng="0" ptsTypes="AA">
                                       <p:cBhvr>
-                                        <p:cTn id="28" dur="2000" fill="hold"/>
+                                        <p:cTn id="24" dur="2000" fill="hold"/>
                                         <p:tgtEl>
                                           <p:spTgt spid="2"/>
                                         </p:tgtEl>
@@ -11535,7 +11192,7 @@
                   <a:schemeClr val="bg1"/>
                 </a:solidFill>
               </a:rPr>
-              <a:t>Training time and run time can significantly differ</a:t>
+              <a:t>Training time and run time can differ</a:t>
             </a:r>
           </a:p>
           <a:p>
@@ -13116,7 +12773,7 @@
                   <a:srgbClr val="72AF2F"/>
                 </a:solidFill>
               </a:rPr>
-              <a:t>Concerns: Human Readability, Code Injection, separation of concerns</a:t>
+              <a:t>Concerns: human readability, code injection, separation of concerns</a:t>
             </a:r>
           </a:p>
           <a:p>
@@ -14043,6 +13700,239 @@
                 <a:latin typeface="Calibri" panose="020F0502020204030204" pitchFamily="34" charset="0"/>
                 <a:cs typeface="Calibri" panose="020F0502020204030204" pitchFamily="34" charset="0"/>
               </a:rPr>
+              <a:t>Please help us improve</a:t>
+            </a:r>
+            <a:endParaRPr sz="3200" dirty="0">
+              <a:latin typeface="Calibri" panose="020F0502020204030204" pitchFamily="34" charset="0"/>
+              <a:cs typeface="Calibri" panose="020F0502020204030204" pitchFamily="34" charset="0"/>
+            </a:endParaRPr>
+          </a:p>
+        </p:txBody>
+      </p:sp>
+      <p:sp>
+        <p:nvSpPr>
+          <p:cNvPr id="2" name="Google Shape;97;p20">
+            <a:extLst>
+              <a:ext uri="{FF2B5EF4-FFF2-40B4-BE49-F238E27FC236}">
+                <a16:creationId xmlns:a16="http://schemas.microsoft.com/office/drawing/2014/main" id="{DFE6C00B-A7A0-F0ED-113A-50EBACB698C4}"/>
+              </a:ext>
+            </a:extLst>
+          </p:cNvPr>
+          <p:cNvSpPr txBox="1">
+            <a:spLocks noGrp="1"/>
+          </p:cNvSpPr>
+          <p:nvPr>
+            <p:ph type="body" idx="1"/>
+          </p:nvPr>
+        </p:nvSpPr>
+        <p:spPr>
+          <a:xfrm>
+            <a:off x="311700" y="1130530"/>
+            <a:ext cx="8832300" cy="4010691"/>
+          </a:xfrm>
+          <a:prstGeom prst="rect">
+            <a:avLst/>
+          </a:prstGeom>
+        </p:spPr>
+        <p:txBody>
+          <a:bodyPr spcFirstLastPara="1" wrap="square" lIns="91425" tIns="91425" rIns="91425" bIns="91425" anchor="t" anchorCtr="0">
+            <a:noAutofit/>
+          </a:bodyPr>
+          <a:lstStyle/>
+          <a:p>
+            <a:pPr marL="114300" indent="0">
+              <a:buNone/>
+            </a:pPr>
+            <a:r>
+              <a:rPr lang="en-US" sz="2200" dirty="0">
+                <a:solidFill>
+                  <a:schemeClr val="tx1"/>
+                </a:solidFill>
+              </a:rPr>
+              <a:t>LU Evaluation: Pinned to slack channel.</a:t>
+            </a:r>
+          </a:p>
+          <a:p>
+            <a:pPr marL="114300" indent="0">
+              <a:buNone/>
+            </a:pPr>
+            <a:endParaRPr lang="en-US" sz="2000" dirty="0">
+              <a:solidFill>
+                <a:srgbClr val="72AF2F"/>
+              </a:solidFill>
+            </a:endParaRPr>
+          </a:p>
+          <a:p>
+            <a:pPr marL="1074738" indent="0">
+              <a:buNone/>
+            </a:pPr>
+            <a:endParaRPr lang="en-US" sz="2000" dirty="0">
+              <a:solidFill>
+                <a:srgbClr val="72AF2F"/>
+              </a:solidFill>
+            </a:endParaRPr>
+          </a:p>
+        </p:txBody>
+      </p:sp>
+      <p:pic>
+        <p:nvPicPr>
+          <p:cNvPr id="5" name="Picture 4" descr="Graphical user interface, text, application&#10;&#10;Description automatically generated">
+            <a:extLst>
+              <a:ext uri="{FF2B5EF4-FFF2-40B4-BE49-F238E27FC236}">
+                <a16:creationId xmlns:a16="http://schemas.microsoft.com/office/drawing/2014/main" id="{A16AA5B0-8E38-EB6E-368A-70CED799CF31}"/>
+              </a:ext>
+            </a:extLst>
+          </p:cNvPr>
+          <p:cNvPicPr>
+            <a:picLocks noChangeAspect="1"/>
+          </p:cNvPicPr>
+          <p:nvPr/>
+        </p:nvPicPr>
+        <p:blipFill>
+          <a:blip r:embed="rId3"/>
+          <a:stretch>
+            <a:fillRect/>
+          </a:stretch>
+        </p:blipFill>
+        <p:spPr>
+          <a:xfrm>
+            <a:off x="3891138" y="1906256"/>
+            <a:ext cx="4285586" cy="2792219"/>
+          </a:xfrm>
+          <a:prstGeom prst="rect">
+            <a:avLst/>
+          </a:prstGeom>
+          <a:ln>
+            <a:solidFill>
+              <a:schemeClr val="tx1"/>
+            </a:solidFill>
+          </a:ln>
+        </p:spPr>
+      </p:pic>
+      <p:sp>
+        <p:nvSpPr>
+          <p:cNvPr id="6" name="Rectangle 5">
+            <a:extLst>
+              <a:ext uri="{FF2B5EF4-FFF2-40B4-BE49-F238E27FC236}">
+                <a16:creationId xmlns:a16="http://schemas.microsoft.com/office/drawing/2014/main" id="{0934B3E6-3E26-4958-881F-33D1C5A61A62}"/>
+              </a:ext>
+            </a:extLst>
+          </p:cNvPr>
+          <p:cNvSpPr/>
+          <p:nvPr/>
+        </p:nvSpPr>
+        <p:spPr>
+          <a:xfrm>
+            <a:off x="6356350" y="2273300"/>
+            <a:ext cx="971550" cy="298450"/>
+          </a:xfrm>
+          <a:prstGeom prst="rect">
+            <a:avLst/>
+          </a:prstGeom>
+          <a:noFill/>
+          <a:ln w="63500">
+            <a:solidFill>
+              <a:srgbClr val="FF0000"/>
+            </a:solidFill>
+          </a:ln>
+        </p:spPr>
+        <p:style>
+          <a:lnRef idx="2">
+            <a:schemeClr val="accent1">
+              <a:shade val="50000"/>
+            </a:schemeClr>
+          </a:lnRef>
+          <a:fillRef idx="1">
+            <a:schemeClr val="accent1"/>
+          </a:fillRef>
+          <a:effectRef idx="0">
+            <a:schemeClr val="accent1"/>
+          </a:effectRef>
+          <a:fontRef idx="minor">
+            <a:schemeClr val="lt1"/>
+          </a:fontRef>
+        </p:style>
+        <p:txBody>
+          <a:bodyPr rtlCol="0" anchor="ctr"/>
+          <a:lstStyle/>
+          <a:p>
+            <a:pPr algn="ctr"/>
+            <a:endParaRPr lang="en-DE"/>
+          </a:p>
+        </p:txBody>
+      </p:sp>
+    </p:spTree>
+    <p:extLst>
+      <p:ext uri="{BB962C8B-B14F-4D97-AF65-F5344CB8AC3E}">
+        <p14:creationId xmlns:p14="http://schemas.microsoft.com/office/powerpoint/2010/main" val="2367668795"/>
+      </p:ext>
+    </p:extLst>
+  </p:cSld>
+  <p:clrMapOvr>
+    <a:masterClrMapping/>
+  </p:clrMapOvr>
+  <p:transition spd="slow">
+    <p:push dir="d"/>
+  </p:transition>
+</p:sld>
+</file>
+
+<file path=ppt/slides/slide18.xml><?xml version="1.0" encoding="utf-8"?>
+<p:sld xmlns:a="http://schemas.openxmlformats.org/drawingml/2006/main" xmlns:r="http://schemas.openxmlformats.org/officeDocument/2006/relationships" xmlns:p="http://schemas.openxmlformats.org/presentationml/2006/main">
+  <p:cSld>
+    <p:spTree>
+      <p:nvGrpSpPr>
+        <p:cNvPr id="1" name="Shape 95"/>
+        <p:cNvGrpSpPr/>
+        <p:nvPr/>
+      </p:nvGrpSpPr>
+      <p:grpSpPr>
+        <a:xfrm>
+          <a:off x="0" y="0"/>
+          <a:ext cx="0" cy="0"/>
+          <a:chOff x="0" y="0"/>
+          <a:chExt cx="0" cy="0"/>
+        </a:xfrm>
+      </p:grpSpPr>
+      <p:sp>
+        <p:nvSpPr>
+          <p:cNvPr id="96" name="Google Shape;96;p20"/>
+          <p:cNvSpPr txBox="1">
+            <a:spLocks noGrp="1"/>
+          </p:cNvSpPr>
+          <p:nvPr>
+            <p:ph type="title"/>
+          </p:nvPr>
+        </p:nvSpPr>
+        <p:spPr>
+          <a:xfrm>
+            <a:off x="311700" y="445025"/>
+            <a:ext cx="8520600" cy="572700"/>
+          </a:xfrm>
+          <a:prstGeom prst="rect">
+            <a:avLst/>
+          </a:prstGeom>
+        </p:spPr>
+        <p:txBody>
+          <a:bodyPr spcFirstLastPara="1" wrap="square" lIns="91425" tIns="91425" rIns="91425" bIns="91425" anchor="t" anchorCtr="0">
+            <a:noAutofit/>
+          </a:bodyPr>
+          <a:lstStyle/>
+          <a:p>
+            <a:pPr marL="0" lvl="0" indent="0" algn="l" rtl="0">
+              <a:spcBef>
+                <a:spcPts val="0"/>
+              </a:spcBef>
+              <a:spcAft>
+                <a:spcPts val="0"/>
+              </a:spcAft>
+              <a:buNone/>
+            </a:pPr>
+            <a:r>
+              <a:rPr lang="en-GB" sz="3200" dirty="0">
+                <a:latin typeface="Calibri" panose="020F0502020204030204" pitchFamily="34" charset="0"/>
+                <a:cs typeface="Calibri" panose="020F0502020204030204" pitchFamily="34" charset="0"/>
+              </a:rPr>
               <a:t>Questions?</a:t>
             </a:r>
             <a:endParaRPr sz="3200" dirty="0">
@@ -14062,9 +13952,6 @@
   <p:clrMapOvr>
     <a:masterClrMapping/>
   </p:clrMapOvr>
-  <p:transition spd="slow">
-    <p:push dir="d"/>
-  </p:transition>
 </p:sld>
 </file>
 
@@ -17513,7 +17400,7 @@
                   <a:schemeClr val="bg1"/>
                 </a:solidFill>
               </a:rPr>
-              <a:t>Benchmarks: </a:t>
+              <a:t>Evaluation Criteria: </a:t>
             </a:r>
             <a:r>
               <a:rPr lang="en-US" sz="2000" dirty="0">
@@ -18086,7 +17973,7 @@
                 <a:latin typeface="Calibri" panose="020F0502020204030204" pitchFamily="34" charset="0"/>
                 <a:cs typeface="Calibri" panose="020F0502020204030204" pitchFamily="34" charset="0"/>
               </a:rPr>
-              <a:t>Success criteria – Running Example</a:t>
+              <a:t>Evaluation criteria – Running Example</a:t>
             </a:r>
             <a:endParaRPr sz="3200" dirty="0">
               <a:solidFill>
@@ -18186,12 +18073,12 @@
               </a:buClr>
             </a:pPr>
             <a:r>
-              <a:rPr lang="en-US" sz="2200" dirty="0">
+              <a:rPr lang="en-US" sz="2000" dirty="0">
                 <a:solidFill>
                   <a:schemeClr val="bg1"/>
                 </a:solidFill>
               </a:rPr>
-              <a:t>Should be &gt;0.5 for all classes</a:t>
+              <a:t>&gt;0.5 for all classes</a:t>
             </a:r>
           </a:p>
           <a:p>
@@ -18224,15 +18111,15 @@
               </a:buClr>
             </a:pPr>
             <a:r>
-              <a:rPr lang="en-US" sz="2200" dirty="0">
+              <a:rPr lang="en-US" sz="2000" dirty="0">
                 <a:solidFill>
                   <a:schemeClr val="bg1"/>
                 </a:solidFill>
               </a:rPr>
-              <a:t>Prediction in &lt; 1s on a </a:t>
+              <a:t>&lt; 1s on a </a:t>
             </a:r>
             <a:r>
-              <a:rPr lang="en-US" sz="2200" dirty="0" err="1">
+              <a:rPr lang="en-US" sz="2000" dirty="0" err="1">
                 <a:solidFill>
                   <a:schemeClr val="bg1"/>
                 </a:solidFill>
@@ -18240,7 +18127,7 @@
               <a:t>Thinkpad</a:t>
             </a:r>
             <a:r>
-              <a:rPr lang="en-US" sz="2200" dirty="0">
+              <a:rPr lang="en-US" sz="2000" dirty="0">
                 <a:solidFill>
                   <a:schemeClr val="bg1"/>
                 </a:solidFill>
@@ -18356,33 +18243,15 @@
                                   </p:childTnLst>
                                 </p:cTn>
                               </p:par>
-                            </p:childTnLst>
-                          </p:cTn>
-                        </p:par>
-                      </p:childTnLst>
-                    </p:cTn>
-                  </p:par>
-                  <p:par>
-                    <p:cTn id="7" fill="hold">
-                      <p:stCondLst>
-                        <p:cond delay="indefinite"/>
-                      </p:stCondLst>
-                      <p:childTnLst>
-                        <p:par>
-                          <p:cTn id="8" fill="hold">
-                            <p:stCondLst>
-                              <p:cond delay="0"/>
-                            </p:stCondLst>
-                            <p:childTnLst>
                               <p:par>
-                                <p:cTn id="9" presetID="1" presetClass="entr" presetSubtype="0" fill="hold" nodeType="clickEffect">
+                                <p:cTn id="7" presetID="1" presetClass="entr" presetSubtype="0" fill="hold" nodeType="withEffect">
                                   <p:stCondLst>
                                     <p:cond delay="0"/>
                                   </p:stCondLst>
                                   <p:childTnLst>
                                     <p:set>
                                       <p:cBhvr>
-                                        <p:cTn id="10" dur="1" fill="hold">
+                                        <p:cTn id="8" dur="1" fill="hold">
                                           <p:stCondLst>
                                             <p:cond delay="0"/>
                                           </p:stCondLst>
@@ -18412,19 +18281,50 @@
                     </p:cTn>
                   </p:par>
                   <p:par>
-                    <p:cTn id="11" fill="hold">
+                    <p:cTn id="9" fill="hold">
                       <p:stCondLst>
                         <p:cond delay="indefinite"/>
                       </p:stCondLst>
                       <p:childTnLst>
                         <p:par>
-                          <p:cTn id="12" fill="hold">
+                          <p:cTn id="10" fill="hold">
                             <p:stCondLst>
                               <p:cond delay="0"/>
                             </p:stCondLst>
                             <p:childTnLst>
                               <p:par>
-                                <p:cTn id="13" presetID="1" presetClass="entr" presetSubtype="0" fill="hold" nodeType="clickEffect">
+                                <p:cTn id="11" presetID="1" presetClass="entr" presetSubtype="0" fill="hold" nodeType="clickEffect">
+                                  <p:stCondLst>
+                                    <p:cond delay="0"/>
+                                  </p:stCondLst>
+                                  <p:childTnLst>
+                                    <p:set>
+                                      <p:cBhvr>
+                                        <p:cTn id="12" dur="1" fill="hold">
+                                          <p:stCondLst>
+                                            <p:cond delay="0"/>
+                                          </p:stCondLst>
+                                        </p:cTn>
+                                        <p:tgtEl>
+                                          <p:spTgt spid="4">
+                                            <p:txEl>
+                                              <p:pRg st="3" end="3"/>
+                                            </p:txEl>
+                                          </p:spTgt>
+                                        </p:tgtEl>
+                                        <p:attrNameLst>
+                                          <p:attrName>style.visibility</p:attrName>
+                                        </p:attrNameLst>
+                                      </p:cBhvr>
+                                      <p:to>
+                                        <p:strVal val="visible"/>
+                                      </p:to>
+                                    </p:set>
+                                  </p:childTnLst>
+                                </p:cTn>
+                              </p:par>
+                              <p:par>
+                                <p:cTn id="13" presetID="1" presetClass="entr" presetSubtype="0" fill="hold" nodeType="withEffect">
                                   <p:stCondLst>
                                     <p:cond delay="0"/>
                                   </p:stCondLst>
@@ -18439,7 +18339,7 @@
                                         <p:tgtEl>
                                           <p:spTgt spid="4">
                                             <p:txEl>
-                                              <p:pRg st="3" end="3"/>
+                                              <p:pRg st="4" end="4"/>
                                             </p:txEl>
                                           </p:spTgt>
                                         </p:tgtEl>
@@ -18488,55 +18388,6 @@
                                         <p:tgtEl>
                                           <p:spTgt spid="4">
                                             <p:txEl>
-                                              <p:pRg st="4" end="4"/>
-                                            </p:txEl>
-                                          </p:spTgt>
-                                        </p:tgtEl>
-                                        <p:attrNameLst>
-                                          <p:attrName>style.visibility</p:attrName>
-                                        </p:attrNameLst>
-                                      </p:cBhvr>
-                                      <p:to>
-                                        <p:strVal val="visible"/>
-                                      </p:to>
-                                    </p:set>
-                                  </p:childTnLst>
-                                </p:cTn>
-                              </p:par>
-                            </p:childTnLst>
-                          </p:cTn>
-                        </p:par>
-                      </p:childTnLst>
-                    </p:cTn>
-                  </p:par>
-                  <p:par>
-                    <p:cTn id="19" fill="hold">
-                      <p:stCondLst>
-                        <p:cond delay="indefinite"/>
-                      </p:stCondLst>
-                      <p:childTnLst>
-                        <p:par>
-                          <p:cTn id="20" fill="hold">
-                            <p:stCondLst>
-                              <p:cond delay="0"/>
-                            </p:stCondLst>
-                            <p:childTnLst>
-                              <p:par>
-                                <p:cTn id="21" presetID="1" presetClass="entr" presetSubtype="0" fill="hold" nodeType="clickEffect">
-                                  <p:stCondLst>
-                                    <p:cond delay="0"/>
-                                  </p:stCondLst>
-                                  <p:childTnLst>
-                                    <p:set>
-                                      <p:cBhvr>
-                                        <p:cTn id="22" dur="1" fill="hold">
-                                          <p:stCondLst>
-                                            <p:cond delay="0"/>
-                                          </p:stCondLst>
-                                        </p:cTn>
-                                        <p:tgtEl>
-                                          <p:spTgt spid="4">
-                                            <p:txEl>
                                               <p:pRg st="6" end="6"/>
                                             </p:txEl>
                                           </p:spTgt>
@@ -18552,33 +18403,15 @@
                                   </p:childTnLst>
                                 </p:cTn>
                               </p:par>
-                            </p:childTnLst>
-                          </p:cTn>
-                        </p:par>
-                      </p:childTnLst>
-                    </p:cTn>
-                  </p:par>
-                  <p:par>
-                    <p:cTn id="23" fill="hold">
-                      <p:stCondLst>
-                        <p:cond delay="indefinite"/>
-                      </p:stCondLst>
-                      <p:childTnLst>
-                        <p:par>
-                          <p:cTn id="24" fill="hold">
-                            <p:stCondLst>
-                              <p:cond delay="0"/>
-                            </p:stCondLst>
-                            <p:childTnLst>
                               <p:par>
-                                <p:cTn id="25" presetID="1" presetClass="entr" presetSubtype="0" fill="hold" nodeType="clickEffect">
+                                <p:cTn id="19" presetID="1" presetClass="entr" presetSubtype="0" fill="hold" nodeType="withEffect">
                                   <p:stCondLst>
                                     <p:cond delay="0"/>
                                   </p:stCondLst>
                                   <p:childTnLst>
                                     <p:set>
                                       <p:cBhvr>
-                                        <p:cTn id="26" dur="1" fill="hold">
+                                        <p:cTn id="20" dur="1" fill="hold">
                                           <p:stCondLst>
                                             <p:cond delay="0"/>
                                           </p:stCondLst>
@@ -18608,26 +18441,26 @@
                     </p:cTn>
                   </p:par>
                   <p:par>
-                    <p:cTn id="27" fill="hold">
+                    <p:cTn id="21" fill="hold">
                       <p:stCondLst>
                         <p:cond delay="indefinite"/>
                       </p:stCondLst>
                       <p:childTnLst>
                         <p:par>
-                          <p:cTn id="28" fill="hold">
+                          <p:cTn id="22" fill="hold">
                             <p:stCondLst>
                               <p:cond delay="0"/>
                             </p:stCondLst>
                             <p:childTnLst>
                               <p:par>
-                                <p:cTn id="29" presetID="1" presetClass="entr" presetSubtype="0" fill="hold" nodeType="clickEffect">
+                                <p:cTn id="23" presetID="1" presetClass="entr" presetSubtype="0" fill="hold" nodeType="clickEffect">
                                   <p:stCondLst>
                                     <p:cond delay="0"/>
                                   </p:stCondLst>
                                   <p:childTnLst>
                                     <p:set>
                                       <p:cBhvr>
-                                        <p:cTn id="30" dur="1" fill="hold">
+                                        <p:cTn id="24" dur="1" fill="hold">
                                           <p:stCondLst>
                                             <p:cond delay="0"/>
                                           </p:stCondLst>
